--- a/trunk/OLSRv2/docs/OLSRv2 Simulation for MANET final report.pptx
+++ b/trunk/OLSRv2/docs/OLSRv2 Simulation for MANET final report.pptx
@@ -12,10 +12,13 @@
     <p:sldId id="263" r:id="rId6"/>
     <p:sldId id="269" r:id="rId7"/>
     <p:sldId id="271" r:id="rId8"/>
-    <p:sldId id="264" r:id="rId9"/>
-    <p:sldId id="270" r:id="rId10"/>
-    <p:sldId id="267" r:id="rId11"/>
-    <p:sldId id="268" r:id="rId12"/>
+    <p:sldId id="272" r:id="rId9"/>
+    <p:sldId id="264" r:id="rId10"/>
+    <p:sldId id="270" r:id="rId11"/>
+    <p:sldId id="273" r:id="rId12"/>
+    <p:sldId id="274" r:id="rId13"/>
+    <p:sldId id="267" r:id="rId14"/>
+    <p:sldId id="268" r:id="rId15"/>
   </p:sldIdLst>
   <p:sldSz cx="9144000" cy="6858000" type="screen4x3"/>
   <p:notesSz cx="6858000" cy="9144000"/>
@@ -115,6 +118,2609 @@
     </a:lvl9pPr>
   </p:defaultTextStyle>
 </p:presentation>
+</file>
+
+<file path=ppt/charts/chart1.xml><?xml version="1.0" encoding="utf-8"?>
+<c:chartSpace xmlns:c="http://schemas.openxmlformats.org/drawingml/2006/chart" xmlns:a="http://schemas.openxmlformats.org/drawingml/2006/main" xmlns:r="http://schemas.openxmlformats.org/officeDocument/2006/relationships">
+  <c:date1904 val="1"/>
+  <c:lang val="en-US"/>
+  <c:chart>
+    <c:title>
+      <c:tx>
+        <c:rich>
+          <a:bodyPr/>
+          <a:lstStyle/>
+          <a:p>
+            <a:pPr>
+              <a:defRPr lang="he-IL"/>
+            </a:pPr>
+            <a:r>
+              <a:rPr lang="en-US" sz="1800" b="1" i="0" baseline="0"/>
+              <a:t>Minimal MPR Selection,                 Data through All, Uniform topology</a:t>
+            </a:r>
+            <a:endParaRPr lang="he-IL" sz="1800" b="1" i="0" baseline="0"/>
+          </a:p>
+        </c:rich>
+      </c:tx>
+      <c:layout/>
+    </c:title>
+    <c:plotArea>
+      <c:layout/>
+      <c:scatterChart>
+        <c:scatterStyle val="smoothMarker"/>
+        <c:ser>
+          <c:idx val="0"/>
+          <c:order val="0"/>
+          <c:tx>
+            <c:strRef>
+              <c:f>גיליון1!$C$3</c:f>
+              <c:strCache>
+                <c:ptCount val="1"/>
+                <c:pt idx="0">
+                  <c:v>Static</c:v>
+                </c:pt>
+              </c:strCache>
+            </c:strRef>
+          </c:tx>
+          <c:marker>
+            <c:symbol val="none"/>
+          </c:marker>
+          <c:xVal>
+            <c:numRef>
+              <c:f>גיליון1!$B$4:$B$9</c:f>
+              <c:numCache>
+                <c:formatCode>General</c:formatCode>
+                <c:ptCount val="6"/>
+                <c:pt idx="0">
+                  <c:v>0.1</c:v>
+                </c:pt>
+                <c:pt idx="1">
+                  <c:v>0.2</c:v>
+                </c:pt>
+                <c:pt idx="2">
+                  <c:v>0.30000000000000032</c:v>
+                </c:pt>
+                <c:pt idx="3">
+                  <c:v>0.4</c:v>
+                </c:pt>
+                <c:pt idx="4">
+                  <c:v>0.5</c:v>
+                </c:pt>
+                <c:pt idx="5">
+                  <c:v>0.60000000000000064</c:v>
+                </c:pt>
+              </c:numCache>
+            </c:numRef>
+          </c:xVal>
+          <c:yVal>
+            <c:numRef>
+              <c:f>גיליון1!$C$4:$C$9</c:f>
+              <c:numCache>
+                <c:formatCode>General</c:formatCode>
+                <c:ptCount val="6"/>
+                <c:pt idx="0">
+                  <c:v>9.2000000000000068E-3</c:v>
+                </c:pt>
+                <c:pt idx="1">
+                  <c:v>1.5900000000000004E-2</c:v>
+                </c:pt>
+                <c:pt idx="2">
+                  <c:v>2.3099999999999999E-2</c:v>
+                </c:pt>
+                <c:pt idx="3">
+                  <c:v>2.8600000000000004E-2</c:v>
+                </c:pt>
+                <c:pt idx="4">
+                  <c:v>3.5900000000000008E-2</c:v>
+                </c:pt>
+                <c:pt idx="5">
+                  <c:v>3.1700000000000013E-2</c:v>
+                </c:pt>
+              </c:numCache>
+            </c:numRef>
+          </c:yVal>
+          <c:smooth val="1"/>
+        </c:ser>
+        <c:ser>
+          <c:idx val="1"/>
+          <c:order val="1"/>
+          <c:tx>
+            <c:strRef>
+              <c:f>גיליון1!$D$3</c:f>
+              <c:strCache>
+                <c:ptCount val="1"/>
+                <c:pt idx="0">
+                  <c:v>Slow</c:v>
+                </c:pt>
+              </c:strCache>
+            </c:strRef>
+          </c:tx>
+          <c:marker>
+            <c:symbol val="none"/>
+          </c:marker>
+          <c:xVal>
+            <c:numRef>
+              <c:f>גיליון1!$B$4:$B$9</c:f>
+              <c:numCache>
+                <c:formatCode>General</c:formatCode>
+                <c:ptCount val="6"/>
+                <c:pt idx="0">
+                  <c:v>0.1</c:v>
+                </c:pt>
+                <c:pt idx="1">
+                  <c:v>0.2</c:v>
+                </c:pt>
+                <c:pt idx="2">
+                  <c:v>0.30000000000000032</c:v>
+                </c:pt>
+                <c:pt idx="3">
+                  <c:v>0.4</c:v>
+                </c:pt>
+                <c:pt idx="4">
+                  <c:v>0.5</c:v>
+                </c:pt>
+                <c:pt idx="5">
+                  <c:v>0.60000000000000064</c:v>
+                </c:pt>
+              </c:numCache>
+            </c:numRef>
+          </c:xVal>
+          <c:yVal>
+            <c:numRef>
+              <c:f>גיליון1!$D$4:$D$9</c:f>
+              <c:numCache>
+                <c:formatCode>General</c:formatCode>
+                <c:ptCount val="6"/>
+                <c:pt idx="0">
+                  <c:v>7.5000000000000101E-3</c:v>
+                </c:pt>
+                <c:pt idx="1">
+                  <c:v>1.1299999999999999E-2</c:v>
+                </c:pt>
+                <c:pt idx="2">
+                  <c:v>1.8700000000000026E-2</c:v>
+                </c:pt>
+                <c:pt idx="3">
+                  <c:v>2.0900000000000002E-2</c:v>
+                </c:pt>
+                <c:pt idx="4">
+                  <c:v>2.9600000000000005E-2</c:v>
+                </c:pt>
+                <c:pt idx="5">
+                  <c:v>2.9700000000000004E-2</c:v>
+                </c:pt>
+              </c:numCache>
+            </c:numRef>
+          </c:yVal>
+          <c:smooth val="1"/>
+        </c:ser>
+        <c:ser>
+          <c:idx val="2"/>
+          <c:order val="2"/>
+          <c:tx>
+            <c:strRef>
+              <c:f>גיליון1!$E$3</c:f>
+              <c:strCache>
+                <c:ptCount val="1"/>
+                <c:pt idx="0">
+                  <c:v>Medium</c:v>
+                </c:pt>
+              </c:strCache>
+            </c:strRef>
+          </c:tx>
+          <c:marker>
+            <c:symbol val="none"/>
+          </c:marker>
+          <c:xVal>
+            <c:numRef>
+              <c:f>גיליון1!$B$4:$B$9</c:f>
+              <c:numCache>
+                <c:formatCode>General</c:formatCode>
+                <c:ptCount val="6"/>
+                <c:pt idx="0">
+                  <c:v>0.1</c:v>
+                </c:pt>
+                <c:pt idx="1">
+                  <c:v>0.2</c:v>
+                </c:pt>
+                <c:pt idx="2">
+                  <c:v>0.30000000000000032</c:v>
+                </c:pt>
+                <c:pt idx="3">
+                  <c:v>0.4</c:v>
+                </c:pt>
+                <c:pt idx="4">
+                  <c:v>0.5</c:v>
+                </c:pt>
+                <c:pt idx="5">
+                  <c:v>0.60000000000000064</c:v>
+                </c:pt>
+              </c:numCache>
+            </c:numRef>
+          </c:xVal>
+          <c:yVal>
+            <c:numRef>
+              <c:f>גיליון1!$E$4:$E$9</c:f>
+              <c:numCache>
+                <c:formatCode>General</c:formatCode>
+                <c:ptCount val="6"/>
+                <c:pt idx="0">
+                  <c:v>6.5000000000000075E-3</c:v>
+                </c:pt>
+                <c:pt idx="1">
+                  <c:v>1.1700000000000021E-2</c:v>
+                </c:pt>
+                <c:pt idx="2">
+                  <c:v>1.7700000000000007E-2</c:v>
+                </c:pt>
+                <c:pt idx="3">
+                  <c:v>2.0100000000000003E-2</c:v>
+                </c:pt>
+                <c:pt idx="4">
+                  <c:v>2.6800000000000029E-2</c:v>
+                </c:pt>
+                <c:pt idx="5">
+                  <c:v>2.6800000000000029E-2</c:v>
+                </c:pt>
+              </c:numCache>
+            </c:numRef>
+          </c:yVal>
+          <c:smooth val="1"/>
+        </c:ser>
+        <c:ser>
+          <c:idx val="3"/>
+          <c:order val="3"/>
+          <c:tx>
+            <c:strRef>
+              <c:f>גיליון1!$F$3</c:f>
+              <c:strCache>
+                <c:ptCount val="1"/>
+                <c:pt idx="0">
+                  <c:v>Fast</c:v>
+                </c:pt>
+              </c:strCache>
+            </c:strRef>
+          </c:tx>
+          <c:marker>
+            <c:symbol val="none"/>
+          </c:marker>
+          <c:xVal>
+            <c:numRef>
+              <c:f>גיליון1!$B$4:$B$9</c:f>
+              <c:numCache>
+                <c:formatCode>General</c:formatCode>
+                <c:ptCount val="6"/>
+                <c:pt idx="0">
+                  <c:v>0.1</c:v>
+                </c:pt>
+                <c:pt idx="1">
+                  <c:v>0.2</c:v>
+                </c:pt>
+                <c:pt idx="2">
+                  <c:v>0.30000000000000032</c:v>
+                </c:pt>
+                <c:pt idx="3">
+                  <c:v>0.4</c:v>
+                </c:pt>
+                <c:pt idx="4">
+                  <c:v>0.5</c:v>
+                </c:pt>
+                <c:pt idx="5">
+                  <c:v>0.60000000000000064</c:v>
+                </c:pt>
+              </c:numCache>
+            </c:numRef>
+          </c:xVal>
+          <c:yVal>
+            <c:numRef>
+              <c:f>גיליון1!$F$4:$F$9</c:f>
+              <c:numCache>
+                <c:formatCode>General</c:formatCode>
+                <c:ptCount val="6"/>
+                <c:pt idx="0">
+                  <c:v>5.4000000000000072E-3</c:v>
+                </c:pt>
+                <c:pt idx="1">
+                  <c:v>1.0600000000000014E-2</c:v>
+                </c:pt>
+                <c:pt idx="2">
+                  <c:v>1.6600000000000024E-2</c:v>
+                </c:pt>
+                <c:pt idx="3">
+                  <c:v>1.8900000000000021E-2</c:v>
+                </c:pt>
+                <c:pt idx="4">
+                  <c:v>2.3199999999999988E-2</c:v>
+                </c:pt>
+                <c:pt idx="5">
+                  <c:v>2.4500000000000001E-2</c:v>
+                </c:pt>
+              </c:numCache>
+            </c:numRef>
+          </c:yVal>
+          <c:smooth val="1"/>
+        </c:ser>
+        <c:axId val="117910912"/>
+        <c:axId val="12535296"/>
+      </c:scatterChart>
+      <c:valAx>
+        <c:axId val="117910912"/>
+        <c:scaling>
+          <c:orientation val="maxMin"/>
+        </c:scaling>
+        <c:axPos val="b"/>
+        <c:title>
+          <c:tx>
+            <c:rich>
+              <a:bodyPr/>
+              <a:lstStyle/>
+              <a:p>
+                <a:pPr>
+                  <a:defRPr lang="he-IL"/>
+                </a:pPr>
+                <a:r>
+                  <a:rPr lang="en-US"/>
+                  <a:t>New</a:t>
+                </a:r>
+                <a:r>
+                  <a:rPr lang="en-US" baseline="0"/>
+                  <a:t> data packet rate </a:t>
+                </a:r>
+                <a:endParaRPr lang="he-IL"/>
+              </a:p>
+            </c:rich>
+          </c:tx>
+          <c:layout/>
+        </c:title>
+        <c:numFmt formatCode="General" sourceLinked="1"/>
+        <c:tickLblPos val="nextTo"/>
+        <c:txPr>
+          <a:bodyPr/>
+          <a:lstStyle/>
+          <a:p>
+            <a:pPr>
+              <a:defRPr lang="he-IL"/>
+            </a:pPr>
+            <a:endParaRPr lang="en-US"/>
+          </a:p>
+        </c:txPr>
+        <c:crossAx val="12535296"/>
+        <c:crosses val="autoZero"/>
+        <c:crossBetween val="midCat"/>
+      </c:valAx>
+      <c:valAx>
+        <c:axId val="12535296"/>
+        <c:scaling>
+          <c:orientation val="minMax"/>
+        </c:scaling>
+        <c:axPos val="r"/>
+        <c:majorGridlines/>
+        <c:title>
+          <c:tx>
+            <c:rich>
+              <a:bodyPr rot="-5400000" vert="horz"/>
+              <a:lstStyle/>
+              <a:p>
+                <a:pPr>
+                  <a:defRPr lang="he-IL"/>
+                </a:pPr>
+                <a:r>
+                  <a:rPr lang="en-US"/>
+                  <a:t>Utilization</a:t>
+                </a:r>
+                <a:endParaRPr lang="he-IL"/>
+              </a:p>
+            </c:rich>
+          </c:tx>
+          <c:layout/>
+        </c:title>
+        <c:numFmt formatCode="General" sourceLinked="1"/>
+        <c:tickLblPos val="nextTo"/>
+        <c:txPr>
+          <a:bodyPr/>
+          <a:lstStyle/>
+          <a:p>
+            <a:pPr>
+              <a:defRPr lang="he-IL"/>
+            </a:pPr>
+            <a:endParaRPr lang="en-US"/>
+          </a:p>
+        </c:txPr>
+        <c:crossAx val="117910912"/>
+        <c:crosses val="autoZero"/>
+        <c:crossBetween val="midCat"/>
+      </c:valAx>
+    </c:plotArea>
+    <c:legend>
+      <c:legendPos val="l"/>
+      <c:layout/>
+      <c:txPr>
+        <a:bodyPr/>
+        <a:lstStyle/>
+        <a:p>
+          <a:pPr>
+            <a:defRPr lang="he-IL"/>
+          </a:pPr>
+          <a:endParaRPr lang="en-US"/>
+        </a:p>
+      </c:txPr>
+    </c:legend>
+    <c:plotVisOnly val="1"/>
+  </c:chart>
+  <c:externalData r:id="rId1"/>
+</c:chartSpace>
+</file>
+
+<file path=ppt/charts/chart2.xml><?xml version="1.0" encoding="utf-8"?>
+<c:chartSpace xmlns:c="http://schemas.openxmlformats.org/drawingml/2006/chart" xmlns:a="http://schemas.openxmlformats.org/drawingml/2006/main" xmlns:r="http://schemas.openxmlformats.org/officeDocument/2006/relationships">
+  <c:date1904 val="1"/>
+  <c:lang val="en-US"/>
+  <c:chart>
+    <c:title>
+      <c:tx>
+        <c:rich>
+          <a:bodyPr/>
+          <a:lstStyle/>
+          <a:p>
+            <a:pPr>
+              <a:defRPr lang="he-IL"/>
+            </a:pPr>
+            <a:r>
+              <a:rPr lang="en-US" sz="1800" b="1" i="0" baseline="0"/>
+              <a:t>Maximal MPR Selection,                 Data method unimportant, Uniform topology</a:t>
+            </a:r>
+            <a:endParaRPr lang="he-IL" sz="1800" b="1" i="0" baseline="0"/>
+          </a:p>
+        </c:rich>
+      </c:tx>
+      <c:layout/>
+    </c:title>
+    <c:plotArea>
+      <c:layout/>
+      <c:scatterChart>
+        <c:scatterStyle val="smoothMarker"/>
+        <c:ser>
+          <c:idx val="0"/>
+          <c:order val="0"/>
+          <c:tx>
+            <c:strRef>
+              <c:f>גיליון7!$C$3</c:f>
+              <c:strCache>
+                <c:ptCount val="1"/>
+                <c:pt idx="0">
+                  <c:v>Static</c:v>
+                </c:pt>
+              </c:strCache>
+            </c:strRef>
+          </c:tx>
+          <c:marker>
+            <c:symbol val="none"/>
+          </c:marker>
+          <c:xVal>
+            <c:numRef>
+              <c:f>גיליון7!$B$4:$B$9</c:f>
+              <c:numCache>
+                <c:formatCode>General</c:formatCode>
+                <c:ptCount val="6"/>
+                <c:pt idx="0">
+                  <c:v>0.1</c:v>
+                </c:pt>
+                <c:pt idx="1">
+                  <c:v>0.2</c:v>
+                </c:pt>
+                <c:pt idx="2">
+                  <c:v>0.30000000000000032</c:v>
+                </c:pt>
+                <c:pt idx="3">
+                  <c:v>0.4</c:v>
+                </c:pt>
+                <c:pt idx="4">
+                  <c:v>0.5</c:v>
+                </c:pt>
+                <c:pt idx="5">
+                  <c:v>0.60000000000000064</c:v>
+                </c:pt>
+              </c:numCache>
+            </c:numRef>
+          </c:xVal>
+          <c:yVal>
+            <c:numRef>
+              <c:f>גיליון7!$C$4:$C$9</c:f>
+              <c:numCache>
+                <c:formatCode>General</c:formatCode>
+                <c:ptCount val="6"/>
+                <c:pt idx="0">
+                  <c:v>7.5000000000000101E-3</c:v>
+                </c:pt>
+                <c:pt idx="1">
+                  <c:v>1.1400000000000014E-2</c:v>
+                </c:pt>
+                <c:pt idx="2">
+                  <c:v>1.7400000000000002E-2</c:v>
+                </c:pt>
+                <c:pt idx="3">
+                  <c:v>1.9500000000000024E-2</c:v>
+                </c:pt>
+                <c:pt idx="4">
+                  <c:v>2.4300000000000002E-2</c:v>
+                </c:pt>
+                <c:pt idx="5">
+                  <c:v>2.650000000000001E-2</c:v>
+                </c:pt>
+              </c:numCache>
+            </c:numRef>
+          </c:yVal>
+          <c:smooth val="1"/>
+        </c:ser>
+        <c:ser>
+          <c:idx val="1"/>
+          <c:order val="1"/>
+          <c:tx>
+            <c:strRef>
+              <c:f>גיליון7!$D$3</c:f>
+              <c:strCache>
+                <c:ptCount val="1"/>
+                <c:pt idx="0">
+                  <c:v>Slow</c:v>
+                </c:pt>
+              </c:strCache>
+            </c:strRef>
+          </c:tx>
+          <c:marker>
+            <c:symbol val="none"/>
+          </c:marker>
+          <c:xVal>
+            <c:numRef>
+              <c:f>גיליון7!$B$4:$B$9</c:f>
+              <c:numCache>
+                <c:formatCode>General</c:formatCode>
+                <c:ptCount val="6"/>
+                <c:pt idx="0">
+                  <c:v>0.1</c:v>
+                </c:pt>
+                <c:pt idx="1">
+                  <c:v>0.2</c:v>
+                </c:pt>
+                <c:pt idx="2">
+                  <c:v>0.30000000000000032</c:v>
+                </c:pt>
+                <c:pt idx="3">
+                  <c:v>0.4</c:v>
+                </c:pt>
+                <c:pt idx="4">
+                  <c:v>0.5</c:v>
+                </c:pt>
+                <c:pt idx="5">
+                  <c:v>0.60000000000000064</c:v>
+                </c:pt>
+              </c:numCache>
+            </c:numRef>
+          </c:xVal>
+          <c:yVal>
+            <c:numRef>
+              <c:f>גיליון7!$D$4:$D$9</c:f>
+              <c:numCache>
+                <c:formatCode>General</c:formatCode>
+                <c:ptCount val="6"/>
+                <c:pt idx="0">
+                  <c:v>5.9000000000000094E-3</c:v>
+                </c:pt>
+                <c:pt idx="1">
+                  <c:v>9.0000000000000045E-3</c:v>
+                </c:pt>
+                <c:pt idx="2">
+                  <c:v>1.3299999999999999E-2</c:v>
+                </c:pt>
+                <c:pt idx="3">
+                  <c:v>1.5500000000000014E-2</c:v>
+                </c:pt>
+                <c:pt idx="4">
+                  <c:v>1.2500000000000002E-2</c:v>
+                </c:pt>
+                <c:pt idx="5">
+                  <c:v>1.8700000000000026E-2</c:v>
+                </c:pt>
+              </c:numCache>
+            </c:numRef>
+          </c:yVal>
+          <c:smooth val="1"/>
+        </c:ser>
+        <c:ser>
+          <c:idx val="2"/>
+          <c:order val="2"/>
+          <c:tx>
+            <c:strRef>
+              <c:f>גיליון7!$E$3</c:f>
+              <c:strCache>
+                <c:ptCount val="1"/>
+                <c:pt idx="0">
+                  <c:v>Medium</c:v>
+                </c:pt>
+              </c:strCache>
+            </c:strRef>
+          </c:tx>
+          <c:marker>
+            <c:symbol val="none"/>
+          </c:marker>
+          <c:xVal>
+            <c:numRef>
+              <c:f>גיליון7!$B$4:$B$9</c:f>
+              <c:numCache>
+                <c:formatCode>General</c:formatCode>
+                <c:ptCount val="6"/>
+                <c:pt idx="0">
+                  <c:v>0.1</c:v>
+                </c:pt>
+                <c:pt idx="1">
+                  <c:v>0.2</c:v>
+                </c:pt>
+                <c:pt idx="2">
+                  <c:v>0.30000000000000032</c:v>
+                </c:pt>
+                <c:pt idx="3">
+                  <c:v>0.4</c:v>
+                </c:pt>
+                <c:pt idx="4">
+                  <c:v>0.5</c:v>
+                </c:pt>
+                <c:pt idx="5">
+                  <c:v>0.60000000000000064</c:v>
+                </c:pt>
+              </c:numCache>
+            </c:numRef>
+          </c:xVal>
+          <c:yVal>
+            <c:numRef>
+              <c:f>גיליון7!$E$4:$E$9</c:f>
+              <c:numCache>
+                <c:formatCode>General</c:formatCode>
+                <c:ptCount val="6"/>
+                <c:pt idx="0">
+                  <c:v>4.7000000000000063E-3</c:v>
+                </c:pt>
+                <c:pt idx="1">
+                  <c:v>7.7000000000000072E-3</c:v>
+                </c:pt>
+                <c:pt idx="2">
+                  <c:v>1.0200000000000002E-2</c:v>
+                </c:pt>
+                <c:pt idx="3">
+                  <c:v>1.1200000000000017E-2</c:v>
+                </c:pt>
+                <c:pt idx="4">
+                  <c:v>1.6100000000000021E-2</c:v>
+                </c:pt>
+                <c:pt idx="5">
+                  <c:v>1.6400000000000005E-2</c:v>
+                </c:pt>
+              </c:numCache>
+            </c:numRef>
+          </c:yVal>
+          <c:smooth val="1"/>
+        </c:ser>
+        <c:ser>
+          <c:idx val="3"/>
+          <c:order val="3"/>
+          <c:tx>
+            <c:strRef>
+              <c:f>גיליון7!$F$3</c:f>
+              <c:strCache>
+                <c:ptCount val="1"/>
+                <c:pt idx="0">
+                  <c:v>Fast</c:v>
+                </c:pt>
+              </c:strCache>
+            </c:strRef>
+          </c:tx>
+          <c:marker>
+            <c:symbol val="none"/>
+          </c:marker>
+          <c:xVal>
+            <c:numRef>
+              <c:f>גיליון7!$B$4:$B$9</c:f>
+              <c:numCache>
+                <c:formatCode>General</c:formatCode>
+                <c:ptCount val="6"/>
+                <c:pt idx="0">
+                  <c:v>0.1</c:v>
+                </c:pt>
+                <c:pt idx="1">
+                  <c:v>0.2</c:v>
+                </c:pt>
+                <c:pt idx="2">
+                  <c:v>0.30000000000000032</c:v>
+                </c:pt>
+                <c:pt idx="3">
+                  <c:v>0.4</c:v>
+                </c:pt>
+                <c:pt idx="4">
+                  <c:v>0.5</c:v>
+                </c:pt>
+                <c:pt idx="5">
+                  <c:v>0.60000000000000064</c:v>
+                </c:pt>
+              </c:numCache>
+            </c:numRef>
+          </c:xVal>
+          <c:yVal>
+            <c:numRef>
+              <c:f>גיליון7!$F$4:$F$9</c:f>
+              <c:numCache>
+                <c:formatCode>General</c:formatCode>
+                <c:ptCount val="6"/>
+                <c:pt idx="0">
+                  <c:v>3.7000000000000049E-3</c:v>
+                </c:pt>
+                <c:pt idx="1">
+                  <c:v>6.3000000000000061E-3</c:v>
+                </c:pt>
+                <c:pt idx="2">
+                  <c:v>1.1100000000000014E-2</c:v>
+                </c:pt>
+                <c:pt idx="3">
+                  <c:v>1.2200000000000003E-2</c:v>
+                </c:pt>
+                <c:pt idx="4">
+                  <c:v>1.4500000000000002E-2</c:v>
+                </c:pt>
+                <c:pt idx="5">
+                  <c:v>1.5200000000000005E-2</c:v>
+                </c:pt>
+              </c:numCache>
+            </c:numRef>
+          </c:yVal>
+          <c:smooth val="1"/>
+        </c:ser>
+        <c:axId val="47164416"/>
+        <c:axId val="47166976"/>
+      </c:scatterChart>
+      <c:valAx>
+        <c:axId val="47164416"/>
+        <c:scaling>
+          <c:orientation val="maxMin"/>
+        </c:scaling>
+        <c:axPos val="b"/>
+        <c:title>
+          <c:tx>
+            <c:rich>
+              <a:bodyPr/>
+              <a:lstStyle/>
+              <a:p>
+                <a:pPr>
+                  <a:defRPr lang="he-IL"/>
+                </a:pPr>
+                <a:r>
+                  <a:rPr lang="en-US" sz="1000" b="1" i="0" baseline="0"/>
+                  <a:t>New data packet rate</a:t>
+                </a:r>
+                <a:endParaRPr lang="he-IL" sz="1000" b="1" i="0" baseline="0"/>
+              </a:p>
+            </c:rich>
+          </c:tx>
+          <c:layout/>
+        </c:title>
+        <c:numFmt formatCode="General" sourceLinked="1"/>
+        <c:tickLblPos val="nextTo"/>
+        <c:txPr>
+          <a:bodyPr/>
+          <a:lstStyle/>
+          <a:p>
+            <a:pPr>
+              <a:defRPr lang="he-IL"/>
+            </a:pPr>
+            <a:endParaRPr lang="en-US"/>
+          </a:p>
+        </c:txPr>
+        <c:crossAx val="47166976"/>
+        <c:crosses val="autoZero"/>
+        <c:crossBetween val="midCat"/>
+      </c:valAx>
+      <c:valAx>
+        <c:axId val="47166976"/>
+        <c:scaling>
+          <c:orientation val="minMax"/>
+        </c:scaling>
+        <c:axPos val="r"/>
+        <c:majorGridlines/>
+        <c:title>
+          <c:tx>
+            <c:rich>
+              <a:bodyPr rot="-5400000" vert="horz"/>
+              <a:lstStyle/>
+              <a:p>
+                <a:pPr>
+                  <a:defRPr lang="he-IL"/>
+                </a:pPr>
+                <a:r>
+                  <a:rPr lang="en-US" sz="1000" b="1" i="0" u="none" strike="noStrike" baseline="0"/>
+                  <a:t>Utilization</a:t>
+                </a:r>
+                <a:endParaRPr lang="he-IL"/>
+              </a:p>
+            </c:rich>
+          </c:tx>
+          <c:layout/>
+        </c:title>
+        <c:numFmt formatCode="General" sourceLinked="1"/>
+        <c:tickLblPos val="nextTo"/>
+        <c:txPr>
+          <a:bodyPr/>
+          <a:lstStyle/>
+          <a:p>
+            <a:pPr>
+              <a:defRPr lang="he-IL"/>
+            </a:pPr>
+            <a:endParaRPr lang="en-US"/>
+          </a:p>
+        </c:txPr>
+        <c:crossAx val="47164416"/>
+        <c:crosses val="autoZero"/>
+        <c:crossBetween val="midCat"/>
+      </c:valAx>
+    </c:plotArea>
+    <c:legend>
+      <c:legendPos val="l"/>
+      <c:layout/>
+      <c:txPr>
+        <a:bodyPr/>
+        <a:lstStyle/>
+        <a:p>
+          <a:pPr>
+            <a:defRPr lang="he-IL"/>
+          </a:pPr>
+          <a:endParaRPr lang="en-US"/>
+        </a:p>
+      </c:txPr>
+    </c:legend>
+    <c:plotVisOnly val="1"/>
+  </c:chart>
+  <c:externalData r:id="rId1"/>
+</c:chartSpace>
+</file>
+
+<file path=ppt/charts/chart3.xml><?xml version="1.0" encoding="utf-8"?>
+<c:chartSpace xmlns:c="http://schemas.openxmlformats.org/drawingml/2006/chart" xmlns:a="http://schemas.openxmlformats.org/drawingml/2006/main" xmlns:r="http://schemas.openxmlformats.org/officeDocument/2006/relationships">
+  <c:date1904 val="1"/>
+  <c:lang val="en-US"/>
+  <c:chart>
+    <c:title>
+      <c:tx>
+        <c:rich>
+          <a:bodyPr/>
+          <a:lstStyle/>
+          <a:p>
+            <a:pPr marL="0" marR="0" indent="0" algn="ctr" defTabSz="914400" rtl="0" eaLnBrk="1" fontAlgn="auto" latinLnBrk="0" hangingPunct="1">
+              <a:lnSpc>
+                <a:spcPct val="100000"/>
+              </a:lnSpc>
+              <a:spcBef>
+                <a:spcPts val="0"/>
+              </a:spcBef>
+              <a:spcAft>
+                <a:spcPts val="0"/>
+              </a:spcAft>
+              <a:buClrTx/>
+              <a:buSzTx/>
+              <a:buFontTx/>
+              <a:buNone/>
+              <a:tabLst/>
+              <a:defRPr lang="he-IL" sz="1800" b="1" i="0" u="none" strike="noStrike" kern="1200" baseline="0">
+                <a:solidFill>
+                  <a:sysClr val="windowText" lastClr="000000"/>
+                </a:solidFill>
+                <a:latin typeface="+mn-lt"/>
+                <a:ea typeface="+mn-ea"/>
+                <a:cs typeface="+mn-cs"/>
+              </a:defRPr>
+            </a:pPr>
+            <a:r>
+              <a:rPr lang="en-US" sz="1800" b="1" i="0" baseline="0"/>
+              <a:t>Minimal MPR Selection, Data through MPR only, Uniform topology</a:t>
+            </a:r>
+            <a:endParaRPr lang="he-IL" sz="1800" b="1" i="0" baseline="0"/>
+          </a:p>
+        </c:rich>
+      </c:tx>
+      <c:layout/>
+    </c:title>
+    <c:plotArea>
+      <c:layout/>
+      <c:scatterChart>
+        <c:scatterStyle val="smoothMarker"/>
+        <c:ser>
+          <c:idx val="0"/>
+          <c:order val="0"/>
+          <c:tx>
+            <c:strRef>
+              <c:f>גיליון5!$C$2</c:f>
+              <c:strCache>
+                <c:ptCount val="1"/>
+                <c:pt idx="0">
+                  <c:v>Static</c:v>
+                </c:pt>
+              </c:strCache>
+            </c:strRef>
+          </c:tx>
+          <c:marker>
+            <c:symbol val="none"/>
+          </c:marker>
+          <c:xVal>
+            <c:numRef>
+              <c:f>גיליון5!$B$3:$B$8</c:f>
+              <c:numCache>
+                <c:formatCode>General</c:formatCode>
+                <c:ptCount val="6"/>
+                <c:pt idx="0">
+                  <c:v>0.1</c:v>
+                </c:pt>
+                <c:pt idx="1">
+                  <c:v>0.2</c:v>
+                </c:pt>
+                <c:pt idx="2">
+                  <c:v>0.30000000000000032</c:v>
+                </c:pt>
+                <c:pt idx="3">
+                  <c:v>0.4</c:v>
+                </c:pt>
+                <c:pt idx="4">
+                  <c:v>0.5</c:v>
+                </c:pt>
+                <c:pt idx="5">
+                  <c:v>0.60000000000000064</c:v>
+                </c:pt>
+              </c:numCache>
+            </c:numRef>
+          </c:xVal>
+          <c:yVal>
+            <c:numRef>
+              <c:f>גיליון5!$C$3:$C$8</c:f>
+              <c:numCache>
+                <c:formatCode>General</c:formatCode>
+                <c:ptCount val="6"/>
+                <c:pt idx="0">
+                  <c:v>7.3000000000000061E-3</c:v>
+                </c:pt>
+                <c:pt idx="1">
+                  <c:v>1.7500000000000009E-2</c:v>
+                </c:pt>
+                <c:pt idx="2">
+                  <c:v>2.3400000000000004E-2</c:v>
+                </c:pt>
+                <c:pt idx="3">
+                  <c:v>2.3599999999999996E-2</c:v>
+                </c:pt>
+                <c:pt idx="4">
+                  <c:v>2.9700000000000004E-2</c:v>
+                </c:pt>
+                <c:pt idx="5">
+                  <c:v>3.1900000000000012E-2</c:v>
+                </c:pt>
+              </c:numCache>
+            </c:numRef>
+          </c:yVal>
+          <c:smooth val="1"/>
+        </c:ser>
+        <c:ser>
+          <c:idx val="1"/>
+          <c:order val="1"/>
+          <c:tx>
+            <c:strRef>
+              <c:f>גיליון5!$D$2</c:f>
+              <c:strCache>
+                <c:ptCount val="1"/>
+                <c:pt idx="0">
+                  <c:v>Slow</c:v>
+                </c:pt>
+              </c:strCache>
+            </c:strRef>
+          </c:tx>
+          <c:marker>
+            <c:symbol val="none"/>
+          </c:marker>
+          <c:xVal>
+            <c:numRef>
+              <c:f>גיליון5!$B$3:$B$8</c:f>
+              <c:numCache>
+                <c:formatCode>General</c:formatCode>
+                <c:ptCount val="6"/>
+                <c:pt idx="0">
+                  <c:v>0.1</c:v>
+                </c:pt>
+                <c:pt idx="1">
+                  <c:v>0.2</c:v>
+                </c:pt>
+                <c:pt idx="2">
+                  <c:v>0.30000000000000032</c:v>
+                </c:pt>
+                <c:pt idx="3">
+                  <c:v>0.4</c:v>
+                </c:pt>
+                <c:pt idx="4">
+                  <c:v>0.5</c:v>
+                </c:pt>
+                <c:pt idx="5">
+                  <c:v>0.60000000000000064</c:v>
+                </c:pt>
+              </c:numCache>
+            </c:numRef>
+          </c:xVal>
+          <c:yVal>
+            <c:numRef>
+              <c:f>גיליון5!$D$3:$D$8</c:f>
+              <c:numCache>
+                <c:formatCode>General</c:formatCode>
+                <c:ptCount val="6"/>
+                <c:pt idx="0">
+                  <c:v>6.2000000000000076E-3</c:v>
+                </c:pt>
+                <c:pt idx="1">
+                  <c:v>1.1200000000000017E-2</c:v>
+                </c:pt>
+                <c:pt idx="2">
+                  <c:v>1.6799999999999999E-2</c:v>
+                </c:pt>
+                <c:pt idx="3">
+                  <c:v>2.1600000000000015E-2</c:v>
+                </c:pt>
+                <c:pt idx="4">
+                  <c:v>2.2400000000000034E-2</c:v>
+                </c:pt>
+                <c:pt idx="5">
+                  <c:v>2.5300000000000003E-2</c:v>
+                </c:pt>
+              </c:numCache>
+            </c:numRef>
+          </c:yVal>
+          <c:smooth val="1"/>
+        </c:ser>
+        <c:ser>
+          <c:idx val="2"/>
+          <c:order val="2"/>
+          <c:tx>
+            <c:strRef>
+              <c:f>גיליון5!$E$2</c:f>
+              <c:strCache>
+                <c:ptCount val="1"/>
+                <c:pt idx="0">
+                  <c:v>Medium</c:v>
+                </c:pt>
+              </c:strCache>
+            </c:strRef>
+          </c:tx>
+          <c:marker>
+            <c:symbol val="none"/>
+          </c:marker>
+          <c:xVal>
+            <c:numRef>
+              <c:f>גיליון5!$B$3:$B$8</c:f>
+              <c:numCache>
+                <c:formatCode>General</c:formatCode>
+                <c:ptCount val="6"/>
+                <c:pt idx="0">
+                  <c:v>0.1</c:v>
+                </c:pt>
+                <c:pt idx="1">
+                  <c:v>0.2</c:v>
+                </c:pt>
+                <c:pt idx="2">
+                  <c:v>0.30000000000000032</c:v>
+                </c:pt>
+                <c:pt idx="3">
+                  <c:v>0.4</c:v>
+                </c:pt>
+                <c:pt idx="4">
+                  <c:v>0.5</c:v>
+                </c:pt>
+                <c:pt idx="5">
+                  <c:v>0.60000000000000064</c:v>
+                </c:pt>
+              </c:numCache>
+            </c:numRef>
+          </c:xVal>
+          <c:yVal>
+            <c:numRef>
+              <c:f>גיליון5!$E$3:$E$8</c:f>
+              <c:numCache>
+                <c:formatCode>General</c:formatCode>
+                <c:ptCount val="6"/>
+                <c:pt idx="0">
+                  <c:v>4.9000000000000076E-3</c:v>
+                </c:pt>
+                <c:pt idx="1">
+                  <c:v>1.0400000000000003E-2</c:v>
+                </c:pt>
+                <c:pt idx="2">
+                  <c:v>1.3700000000000019E-2</c:v>
+                </c:pt>
+                <c:pt idx="3">
+                  <c:v>1.8200000000000025E-2</c:v>
+                </c:pt>
+                <c:pt idx="4">
+                  <c:v>1.9800000000000029E-2</c:v>
+                </c:pt>
+                <c:pt idx="5">
+                  <c:v>2.3099999999999999E-2</c:v>
+                </c:pt>
+              </c:numCache>
+            </c:numRef>
+          </c:yVal>
+          <c:smooth val="1"/>
+        </c:ser>
+        <c:ser>
+          <c:idx val="3"/>
+          <c:order val="3"/>
+          <c:tx>
+            <c:strRef>
+              <c:f>גיליון5!$F$2</c:f>
+              <c:strCache>
+                <c:ptCount val="1"/>
+                <c:pt idx="0">
+                  <c:v>Fast</c:v>
+                </c:pt>
+              </c:strCache>
+            </c:strRef>
+          </c:tx>
+          <c:marker>
+            <c:symbol val="none"/>
+          </c:marker>
+          <c:xVal>
+            <c:numRef>
+              <c:f>גיליון5!$B$3:$B$8</c:f>
+              <c:numCache>
+                <c:formatCode>General</c:formatCode>
+                <c:ptCount val="6"/>
+                <c:pt idx="0">
+                  <c:v>0.1</c:v>
+                </c:pt>
+                <c:pt idx="1">
+                  <c:v>0.2</c:v>
+                </c:pt>
+                <c:pt idx="2">
+                  <c:v>0.30000000000000032</c:v>
+                </c:pt>
+                <c:pt idx="3">
+                  <c:v>0.4</c:v>
+                </c:pt>
+                <c:pt idx="4">
+                  <c:v>0.5</c:v>
+                </c:pt>
+                <c:pt idx="5">
+                  <c:v>0.60000000000000064</c:v>
+                </c:pt>
+              </c:numCache>
+            </c:numRef>
+          </c:xVal>
+          <c:yVal>
+            <c:numRef>
+              <c:f>גיליון5!$F$3:$F$8</c:f>
+              <c:numCache>
+                <c:formatCode>General</c:formatCode>
+                <c:ptCount val="6"/>
+                <c:pt idx="0">
+                  <c:v>5.1000000000000012E-3</c:v>
+                </c:pt>
+                <c:pt idx="1">
+                  <c:v>8.9000000000000155E-3</c:v>
+                </c:pt>
+                <c:pt idx="2">
+                  <c:v>1.1800000000000019E-2</c:v>
+                </c:pt>
+                <c:pt idx="3">
+                  <c:v>1.6799999999999999E-2</c:v>
+                </c:pt>
+                <c:pt idx="4">
+                  <c:v>1.7400000000000002E-2</c:v>
+                </c:pt>
+                <c:pt idx="5">
+                  <c:v>1.9900000000000029E-2</c:v>
+                </c:pt>
+              </c:numCache>
+            </c:numRef>
+          </c:yVal>
+          <c:smooth val="1"/>
+        </c:ser>
+        <c:axId val="12894592"/>
+        <c:axId val="12896896"/>
+      </c:scatterChart>
+      <c:valAx>
+        <c:axId val="12894592"/>
+        <c:scaling>
+          <c:orientation val="maxMin"/>
+        </c:scaling>
+        <c:axPos val="b"/>
+        <c:title>
+          <c:tx>
+            <c:rich>
+              <a:bodyPr/>
+              <a:lstStyle/>
+              <a:p>
+                <a:pPr>
+                  <a:defRPr lang="he-IL"/>
+                </a:pPr>
+                <a:r>
+                  <a:rPr lang="en-US" sz="1000" b="1" i="0" baseline="0"/>
+                  <a:t>New data packet rate</a:t>
+                </a:r>
+                <a:endParaRPr lang="he-IL" sz="1000" b="1" i="0" baseline="0"/>
+              </a:p>
+            </c:rich>
+          </c:tx>
+          <c:layout/>
+        </c:title>
+        <c:numFmt formatCode="General" sourceLinked="1"/>
+        <c:tickLblPos val="nextTo"/>
+        <c:txPr>
+          <a:bodyPr/>
+          <a:lstStyle/>
+          <a:p>
+            <a:pPr>
+              <a:defRPr lang="he-IL"/>
+            </a:pPr>
+            <a:endParaRPr lang="en-US"/>
+          </a:p>
+        </c:txPr>
+        <c:crossAx val="12896896"/>
+        <c:crosses val="autoZero"/>
+        <c:crossBetween val="midCat"/>
+      </c:valAx>
+      <c:valAx>
+        <c:axId val="12896896"/>
+        <c:scaling>
+          <c:orientation val="minMax"/>
+        </c:scaling>
+        <c:axPos val="r"/>
+        <c:majorGridlines/>
+        <c:title>
+          <c:tx>
+            <c:rich>
+              <a:bodyPr rot="-5400000" vert="horz"/>
+              <a:lstStyle/>
+              <a:p>
+                <a:pPr>
+                  <a:defRPr lang="he-IL"/>
+                </a:pPr>
+                <a:r>
+                  <a:rPr lang="en-US" sz="1000" b="1" i="0" u="none" strike="noStrike" baseline="0"/>
+                  <a:t>Utilization</a:t>
+                </a:r>
+                <a:endParaRPr lang="he-IL"/>
+              </a:p>
+            </c:rich>
+          </c:tx>
+          <c:layout/>
+        </c:title>
+        <c:numFmt formatCode="General" sourceLinked="1"/>
+        <c:tickLblPos val="nextTo"/>
+        <c:txPr>
+          <a:bodyPr/>
+          <a:lstStyle/>
+          <a:p>
+            <a:pPr>
+              <a:defRPr lang="he-IL"/>
+            </a:pPr>
+            <a:endParaRPr lang="en-US"/>
+          </a:p>
+        </c:txPr>
+        <c:crossAx val="12894592"/>
+        <c:crosses val="autoZero"/>
+        <c:crossBetween val="midCat"/>
+      </c:valAx>
+    </c:plotArea>
+    <c:legend>
+      <c:legendPos val="l"/>
+      <c:layout/>
+      <c:txPr>
+        <a:bodyPr/>
+        <a:lstStyle/>
+        <a:p>
+          <a:pPr>
+            <a:defRPr lang="he-IL"/>
+          </a:pPr>
+          <a:endParaRPr lang="en-US"/>
+        </a:p>
+      </c:txPr>
+    </c:legend>
+    <c:plotVisOnly val="1"/>
+  </c:chart>
+  <c:externalData r:id="rId1"/>
+</c:chartSpace>
+</file>
+
+<file path=ppt/charts/chart4.xml><?xml version="1.0" encoding="utf-8"?>
+<c:chartSpace xmlns:c="http://schemas.openxmlformats.org/drawingml/2006/chart" xmlns:a="http://schemas.openxmlformats.org/drawingml/2006/main" xmlns:r="http://schemas.openxmlformats.org/officeDocument/2006/relationships">
+  <c:date1904 val="1"/>
+  <c:lang val="en-US"/>
+  <c:chart>
+    <c:title>
+      <c:tx>
+        <c:rich>
+          <a:bodyPr/>
+          <a:lstStyle/>
+          <a:p>
+            <a:pPr>
+              <a:defRPr lang="he-IL"/>
+            </a:pPr>
+            <a:r>
+              <a:rPr lang="en-US" sz="1800" b="1" i="0" baseline="0"/>
+              <a:t>Minimal MPR Selection,</a:t>
+            </a:r>
+            <a:r>
+              <a:rPr lang="en-US" sz="1800" b="1" i="0" u="none" strike="noStrike" baseline="0"/>
+              <a:t>                 Data through All</a:t>
+            </a:r>
+            <a:r>
+              <a:rPr lang="en-US" sz="1800" b="1" i="0" baseline="0"/>
+              <a:t>, Cluster topology</a:t>
+            </a:r>
+            <a:endParaRPr lang="he-IL" sz="1800" b="1" i="0" baseline="0"/>
+          </a:p>
+        </c:rich>
+      </c:tx>
+      <c:layout/>
+    </c:title>
+    <c:plotArea>
+      <c:layout/>
+      <c:scatterChart>
+        <c:scatterStyle val="smoothMarker"/>
+        <c:ser>
+          <c:idx val="0"/>
+          <c:order val="0"/>
+          <c:tx>
+            <c:strRef>
+              <c:f>גיליון3!$C$3</c:f>
+              <c:strCache>
+                <c:ptCount val="1"/>
+                <c:pt idx="0">
+                  <c:v>Static</c:v>
+                </c:pt>
+              </c:strCache>
+            </c:strRef>
+          </c:tx>
+          <c:marker>
+            <c:symbol val="none"/>
+          </c:marker>
+          <c:xVal>
+            <c:numRef>
+              <c:f>גיליון3!$B$4:$B$9</c:f>
+              <c:numCache>
+                <c:formatCode>General</c:formatCode>
+                <c:ptCount val="6"/>
+                <c:pt idx="0">
+                  <c:v>0.1</c:v>
+                </c:pt>
+                <c:pt idx="1">
+                  <c:v>0.2</c:v>
+                </c:pt>
+                <c:pt idx="2">
+                  <c:v>0.30000000000000032</c:v>
+                </c:pt>
+                <c:pt idx="3">
+                  <c:v>0.4</c:v>
+                </c:pt>
+                <c:pt idx="4">
+                  <c:v>0.5</c:v>
+                </c:pt>
+                <c:pt idx="5">
+                  <c:v>0.60000000000000064</c:v>
+                </c:pt>
+              </c:numCache>
+            </c:numRef>
+          </c:xVal>
+          <c:yVal>
+            <c:numRef>
+              <c:f>גיליון3!$C$4:$C$9</c:f>
+              <c:numCache>
+                <c:formatCode>General</c:formatCode>
+                <c:ptCount val="6"/>
+                <c:pt idx="0">
+                  <c:v>1.0200000000000002E-2</c:v>
+                </c:pt>
+                <c:pt idx="1">
+                  <c:v>1.6600000000000024E-2</c:v>
+                </c:pt>
+                <c:pt idx="2">
+                  <c:v>3.1600000000000045E-2</c:v>
+                </c:pt>
+                <c:pt idx="3">
+                  <c:v>3.2000000000000042E-2</c:v>
+                </c:pt>
+                <c:pt idx="4">
+                  <c:v>3.3800000000000004E-2</c:v>
+                </c:pt>
+                <c:pt idx="5">
+                  <c:v>2.0500000000000001E-2</c:v>
+                </c:pt>
+              </c:numCache>
+            </c:numRef>
+          </c:yVal>
+          <c:smooth val="1"/>
+        </c:ser>
+        <c:ser>
+          <c:idx val="1"/>
+          <c:order val="1"/>
+          <c:tx>
+            <c:strRef>
+              <c:f>גיליון3!$D$3</c:f>
+              <c:strCache>
+                <c:ptCount val="1"/>
+                <c:pt idx="0">
+                  <c:v>Slow</c:v>
+                </c:pt>
+              </c:strCache>
+            </c:strRef>
+          </c:tx>
+          <c:marker>
+            <c:symbol val="none"/>
+          </c:marker>
+          <c:xVal>
+            <c:numRef>
+              <c:f>גיליון3!$B$4:$B$9</c:f>
+              <c:numCache>
+                <c:formatCode>General</c:formatCode>
+                <c:ptCount val="6"/>
+                <c:pt idx="0">
+                  <c:v>0.1</c:v>
+                </c:pt>
+                <c:pt idx="1">
+                  <c:v>0.2</c:v>
+                </c:pt>
+                <c:pt idx="2">
+                  <c:v>0.30000000000000032</c:v>
+                </c:pt>
+                <c:pt idx="3">
+                  <c:v>0.4</c:v>
+                </c:pt>
+                <c:pt idx="4">
+                  <c:v>0.5</c:v>
+                </c:pt>
+                <c:pt idx="5">
+                  <c:v>0.60000000000000064</c:v>
+                </c:pt>
+              </c:numCache>
+            </c:numRef>
+          </c:xVal>
+          <c:yVal>
+            <c:numRef>
+              <c:f>גיליון3!$D$4:$D$9</c:f>
+              <c:numCache>
+                <c:formatCode>General</c:formatCode>
+                <c:ptCount val="6"/>
+                <c:pt idx="0">
+                  <c:v>9.2000000000000068E-3</c:v>
+                </c:pt>
+                <c:pt idx="1">
+                  <c:v>1.5400000000000014E-2</c:v>
+                </c:pt>
+                <c:pt idx="2">
+                  <c:v>2.1700000000000004E-2</c:v>
+                </c:pt>
+                <c:pt idx="3">
+                  <c:v>2.5100000000000004E-2</c:v>
+                </c:pt>
+                <c:pt idx="4">
+                  <c:v>3.8200000000000005E-2</c:v>
+                </c:pt>
+                <c:pt idx="5">
+                  <c:v>2.4799999999999999E-2</c:v>
+                </c:pt>
+              </c:numCache>
+            </c:numRef>
+          </c:yVal>
+          <c:smooth val="1"/>
+        </c:ser>
+        <c:ser>
+          <c:idx val="2"/>
+          <c:order val="2"/>
+          <c:tx>
+            <c:strRef>
+              <c:f>גיליון3!$E$3</c:f>
+              <c:strCache>
+                <c:ptCount val="1"/>
+                <c:pt idx="0">
+                  <c:v>Medium</c:v>
+                </c:pt>
+              </c:strCache>
+            </c:strRef>
+          </c:tx>
+          <c:marker>
+            <c:symbol val="none"/>
+          </c:marker>
+          <c:xVal>
+            <c:numRef>
+              <c:f>גיליון3!$B$4:$B$9</c:f>
+              <c:numCache>
+                <c:formatCode>General</c:formatCode>
+                <c:ptCount val="6"/>
+                <c:pt idx="0">
+                  <c:v>0.1</c:v>
+                </c:pt>
+                <c:pt idx="1">
+                  <c:v>0.2</c:v>
+                </c:pt>
+                <c:pt idx="2">
+                  <c:v>0.30000000000000032</c:v>
+                </c:pt>
+                <c:pt idx="3">
+                  <c:v>0.4</c:v>
+                </c:pt>
+                <c:pt idx="4">
+                  <c:v>0.5</c:v>
+                </c:pt>
+                <c:pt idx="5">
+                  <c:v>0.60000000000000064</c:v>
+                </c:pt>
+              </c:numCache>
+            </c:numRef>
+          </c:xVal>
+          <c:yVal>
+            <c:numRef>
+              <c:f>גיליון3!$E$4:$E$9</c:f>
+              <c:numCache>
+                <c:formatCode>General</c:formatCode>
+                <c:ptCount val="6"/>
+                <c:pt idx="0">
+                  <c:v>8.9000000000000155E-3</c:v>
+                </c:pt>
+                <c:pt idx="1">
+                  <c:v>1.5800000000000022E-2</c:v>
+                </c:pt>
+                <c:pt idx="2">
+                  <c:v>2.9200000000000014E-2</c:v>
+                </c:pt>
+                <c:pt idx="3">
+                  <c:v>2.8799999999999999E-2</c:v>
+                </c:pt>
+                <c:pt idx="4">
+                  <c:v>2.9300000000000003E-2</c:v>
+                </c:pt>
+                <c:pt idx="5">
+                  <c:v>1.9099999999999999E-2</c:v>
+                </c:pt>
+              </c:numCache>
+            </c:numRef>
+          </c:yVal>
+          <c:smooth val="1"/>
+        </c:ser>
+        <c:ser>
+          <c:idx val="3"/>
+          <c:order val="3"/>
+          <c:tx>
+            <c:strRef>
+              <c:f>גיליון3!$F$3</c:f>
+              <c:strCache>
+                <c:ptCount val="1"/>
+                <c:pt idx="0">
+                  <c:v>Fast</c:v>
+                </c:pt>
+              </c:strCache>
+            </c:strRef>
+          </c:tx>
+          <c:marker>
+            <c:symbol val="none"/>
+          </c:marker>
+          <c:xVal>
+            <c:numRef>
+              <c:f>גיליון3!$B$4:$B$9</c:f>
+              <c:numCache>
+                <c:formatCode>General</c:formatCode>
+                <c:ptCount val="6"/>
+                <c:pt idx="0">
+                  <c:v>0.1</c:v>
+                </c:pt>
+                <c:pt idx="1">
+                  <c:v>0.2</c:v>
+                </c:pt>
+                <c:pt idx="2">
+                  <c:v>0.30000000000000032</c:v>
+                </c:pt>
+                <c:pt idx="3">
+                  <c:v>0.4</c:v>
+                </c:pt>
+                <c:pt idx="4">
+                  <c:v>0.5</c:v>
+                </c:pt>
+                <c:pt idx="5">
+                  <c:v>0.60000000000000064</c:v>
+                </c:pt>
+              </c:numCache>
+            </c:numRef>
+          </c:xVal>
+          <c:yVal>
+            <c:numRef>
+              <c:f>גיליון3!$F$4:$F$9</c:f>
+              <c:numCache>
+                <c:formatCode>General</c:formatCode>
+                <c:ptCount val="6"/>
+                <c:pt idx="0">
+                  <c:v>6.9000000000000103E-3</c:v>
+                </c:pt>
+                <c:pt idx="1">
+                  <c:v>1.3899999999999999E-2</c:v>
+                </c:pt>
+                <c:pt idx="2">
+                  <c:v>2.1800000000000028E-2</c:v>
+                </c:pt>
+                <c:pt idx="3">
+                  <c:v>2.9399999999999999E-2</c:v>
+                </c:pt>
+                <c:pt idx="4">
+                  <c:v>2.1300000000000006E-2</c:v>
+                </c:pt>
+                <c:pt idx="5">
+                  <c:v>1.2500000000000002E-2</c:v>
+                </c:pt>
+              </c:numCache>
+            </c:numRef>
+          </c:yVal>
+          <c:smooth val="1"/>
+        </c:ser>
+        <c:axId val="91069824"/>
+        <c:axId val="105399808"/>
+      </c:scatterChart>
+      <c:valAx>
+        <c:axId val="91069824"/>
+        <c:scaling>
+          <c:orientation val="maxMin"/>
+        </c:scaling>
+        <c:axPos val="b"/>
+        <c:title>
+          <c:tx>
+            <c:rich>
+              <a:bodyPr/>
+              <a:lstStyle/>
+              <a:p>
+                <a:pPr>
+                  <a:defRPr lang="he-IL"/>
+                </a:pPr>
+                <a:r>
+                  <a:rPr lang="en-US" sz="1000" b="1" i="0" baseline="0"/>
+                  <a:t>New data packet rate</a:t>
+                </a:r>
+                <a:endParaRPr lang="he-IL" sz="1000" b="1" i="0" baseline="0"/>
+              </a:p>
+            </c:rich>
+          </c:tx>
+          <c:layout/>
+        </c:title>
+        <c:numFmt formatCode="General" sourceLinked="1"/>
+        <c:tickLblPos val="nextTo"/>
+        <c:txPr>
+          <a:bodyPr/>
+          <a:lstStyle/>
+          <a:p>
+            <a:pPr>
+              <a:defRPr lang="he-IL"/>
+            </a:pPr>
+            <a:endParaRPr lang="en-US"/>
+          </a:p>
+        </c:txPr>
+        <c:crossAx val="105399808"/>
+        <c:crosses val="autoZero"/>
+        <c:crossBetween val="midCat"/>
+      </c:valAx>
+      <c:valAx>
+        <c:axId val="105399808"/>
+        <c:scaling>
+          <c:orientation val="minMax"/>
+        </c:scaling>
+        <c:axPos val="r"/>
+        <c:majorGridlines/>
+        <c:title>
+          <c:tx>
+            <c:rich>
+              <a:bodyPr rot="-5400000" vert="horz"/>
+              <a:lstStyle/>
+              <a:p>
+                <a:pPr>
+                  <a:defRPr lang="he-IL"/>
+                </a:pPr>
+                <a:r>
+                  <a:rPr lang="en-US" sz="1000" b="1" i="0" u="none" strike="noStrike" baseline="0"/>
+                  <a:t>Utilization</a:t>
+                </a:r>
+                <a:endParaRPr lang="he-IL"/>
+              </a:p>
+            </c:rich>
+          </c:tx>
+          <c:layout/>
+        </c:title>
+        <c:numFmt formatCode="General" sourceLinked="1"/>
+        <c:tickLblPos val="nextTo"/>
+        <c:txPr>
+          <a:bodyPr/>
+          <a:lstStyle/>
+          <a:p>
+            <a:pPr>
+              <a:defRPr lang="he-IL"/>
+            </a:pPr>
+            <a:endParaRPr lang="en-US"/>
+          </a:p>
+        </c:txPr>
+        <c:crossAx val="91069824"/>
+        <c:crosses val="autoZero"/>
+        <c:crossBetween val="midCat"/>
+      </c:valAx>
+    </c:plotArea>
+    <c:legend>
+      <c:legendPos val="l"/>
+      <c:layout/>
+      <c:txPr>
+        <a:bodyPr/>
+        <a:lstStyle/>
+        <a:p>
+          <a:pPr>
+            <a:defRPr lang="he-IL"/>
+          </a:pPr>
+          <a:endParaRPr lang="en-US"/>
+        </a:p>
+      </c:txPr>
+    </c:legend>
+    <c:plotVisOnly val="1"/>
+  </c:chart>
+  <c:externalData r:id="rId1"/>
+</c:chartSpace>
+</file>
+
+<file path=ppt/charts/chart5.xml><?xml version="1.0" encoding="utf-8"?>
+<c:chartSpace xmlns:c="http://schemas.openxmlformats.org/drawingml/2006/chart" xmlns:a="http://schemas.openxmlformats.org/drawingml/2006/main" xmlns:r="http://schemas.openxmlformats.org/officeDocument/2006/relationships">
+  <c:date1904 val="1"/>
+  <c:lang val="en-US"/>
+  <c:chart>
+    <c:title>
+      <c:tx>
+        <c:rich>
+          <a:bodyPr/>
+          <a:lstStyle/>
+          <a:p>
+            <a:pPr>
+              <a:defRPr lang="he-IL"/>
+            </a:pPr>
+            <a:r>
+              <a:rPr lang="en-US" sz="1800" b="1" i="0" baseline="0"/>
+              <a:t>Maximal MPR Selection, </a:t>
+            </a:r>
+            <a:r>
+              <a:rPr lang="en-US" sz="1800" b="1" i="0" u="none" strike="noStrike" baseline="0"/>
+              <a:t>Data method unimportant</a:t>
+            </a:r>
+            <a:r>
+              <a:rPr lang="en-US" sz="1800" b="1" i="0" baseline="0"/>
+              <a:t>, Cluster topology</a:t>
+            </a:r>
+            <a:endParaRPr lang="he-IL" sz="1800" b="1" i="0" baseline="0"/>
+          </a:p>
+        </c:rich>
+      </c:tx>
+      <c:layout/>
+    </c:title>
+    <c:plotArea>
+      <c:layout/>
+      <c:scatterChart>
+        <c:scatterStyle val="smoothMarker"/>
+        <c:ser>
+          <c:idx val="0"/>
+          <c:order val="0"/>
+          <c:tx>
+            <c:strRef>
+              <c:f>גיליון8!$C$3</c:f>
+              <c:strCache>
+                <c:ptCount val="1"/>
+                <c:pt idx="0">
+                  <c:v>Static</c:v>
+                </c:pt>
+              </c:strCache>
+            </c:strRef>
+          </c:tx>
+          <c:marker>
+            <c:symbol val="none"/>
+          </c:marker>
+          <c:xVal>
+            <c:numRef>
+              <c:f>גיליון8!$B$4:$B$9</c:f>
+              <c:numCache>
+                <c:formatCode>General</c:formatCode>
+                <c:ptCount val="6"/>
+                <c:pt idx="0">
+                  <c:v>0.1</c:v>
+                </c:pt>
+                <c:pt idx="1">
+                  <c:v>0.2</c:v>
+                </c:pt>
+                <c:pt idx="2">
+                  <c:v>0.30000000000000032</c:v>
+                </c:pt>
+                <c:pt idx="3">
+                  <c:v>0.4</c:v>
+                </c:pt>
+                <c:pt idx="4">
+                  <c:v>0.5</c:v>
+                </c:pt>
+                <c:pt idx="5">
+                  <c:v>0.60000000000000064</c:v>
+                </c:pt>
+              </c:numCache>
+            </c:numRef>
+          </c:xVal>
+          <c:yVal>
+            <c:numRef>
+              <c:f>גיליון8!$C$4:$C$9</c:f>
+              <c:numCache>
+                <c:formatCode>General</c:formatCode>
+                <c:ptCount val="6"/>
+                <c:pt idx="0">
+                  <c:v>7.5000000000000101E-3</c:v>
+                </c:pt>
+                <c:pt idx="1">
+                  <c:v>1.0699999999999998E-2</c:v>
+                </c:pt>
+                <c:pt idx="2">
+                  <c:v>1.3299999999999999E-2</c:v>
+                </c:pt>
+                <c:pt idx="3">
+                  <c:v>2.0199999999999999E-2</c:v>
+                </c:pt>
+                <c:pt idx="4">
+                  <c:v>2.4500000000000001E-2</c:v>
+                </c:pt>
+                <c:pt idx="5">
+                  <c:v>2.6900000000000014E-2</c:v>
+                </c:pt>
+              </c:numCache>
+            </c:numRef>
+          </c:yVal>
+          <c:smooth val="1"/>
+        </c:ser>
+        <c:ser>
+          <c:idx val="1"/>
+          <c:order val="1"/>
+          <c:tx>
+            <c:strRef>
+              <c:f>גיליון8!$D$3</c:f>
+              <c:strCache>
+                <c:ptCount val="1"/>
+                <c:pt idx="0">
+                  <c:v>Slow</c:v>
+                </c:pt>
+              </c:strCache>
+            </c:strRef>
+          </c:tx>
+          <c:marker>
+            <c:symbol val="none"/>
+          </c:marker>
+          <c:xVal>
+            <c:numRef>
+              <c:f>גיליון8!$B$4:$B$9</c:f>
+              <c:numCache>
+                <c:formatCode>General</c:formatCode>
+                <c:ptCount val="6"/>
+                <c:pt idx="0">
+                  <c:v>0.1</c:v>
+                </c:pt>
+                <c:pt idx="1">
+                  <c:v>0.2</c:v>
+                </c:pt>
+                <c:pt idx="2">
+                  <c:v>0.30000000000000032</c:v>
+                </c:pt>
+                <c:pt idx="3">
+                  <c:v>0.4</c:v>
+                </c:pt>
+                <c:pt idx="4">
+                  <c:v>0.5</c:v>
+                </c:pt>
+                <c:pt idx="5">
+                  <c:v>0.60000000000000064</c:v>
+                </c:pt>
+              </c:numCache>
+            </c:numRef>
+          </c:xVal>
+          <c:yVal>
+            <c:numRef>
+              <c:f>גיליון8!$D$4:$D$9</c:f>
+              <c:numCache>
+                <c:formatCode>General</c:formatCode>
+                <c:ptCount val="6"/>
+                <c:pt idx="0">
+                  <c:v>5.3000000000000052E-3</c:v>
+                </c:pt>
+                <c:pt idx="1">
+                  <c:v>9.0000000000000045E-3</c:v>
+                </c:pt>
+                <c:pt idx="2">
+                  <c:v>1.2600000000000007E-2</c:v>
+                </c:pt>
+                <c:pt idx="3">
+                  <c:v>1.4500000000000002E-2</c:v>
+                </c:pt>
+                <c:pt idx="4">
+                  <c:v>1.4500000000000002E-2</c:v>
+                </c:pt>
+                <c:pt idx="5">
+                  <c:v>2.0400000000000005E-2</c:v>
+                </c:pt>
+              </c:numCache>
+            </c:numRef>
+          </c:yVal>
+          <c:smooth val="1"/>
+        </c:ser>
+        <c:ser>
+          <c:idx val="2"/>
+          <c:order val="2"/>
+          <c:tx>
+            <c:strRef>
+              <c:f>גיליון8!$E$3</c:f>
+              <c:strCache>
+                <c:ptCount val="1"/>
+                <c:pt idx="0">
+                  <c:v>Medium</c:v>
+                </c:pt>
+              </c:strCache>
+            </c:strRef>
+          </c:tx>
+          <c:marker>
+            <c:symbol val="none"/>
+          </c:marker>
+          <c:xVal>
+            <c:numRef>
+              <c:f>גיליון8!$B$4:$B$9</c:f>
+              <c:numCache>
+                <c:formatCode>General</c:formatCode>
+                <c:ptCount val="6"/>
+                <c:pt idx="0">
+                  <c:v>0.1</c:v>
+                </c:pt>
+                <c:pt idx="1">
+                  <c:v>0.2</c:v>
+                </c:pt>
+                <c:pt idx="2">
+                  <c:v>0.30000000000000032</c:v>
+                </c:pt>
+                <c:pt idx="3">
+                  <c:v>0.4</c:v>
+                </c:pt>
+                <c:pt idx="4">
+                  <c:v>0.5</c:v>
+                </c:pt>
+                <c:pt idx="5">
+                  <c:v>0.60000000000000064</c:v>
+                </c:pt>
+              </c:numCache>
+            </c:numRef>
+          </c:xVal>
+          <c:yVal>
+            <c:numRef>
+              <c:f>גיליון8!$E$4:$E$9</c:f>
+              <c:numCache>
+                <c:formatCode>General</c:formatCode>
+                <c:ptCount val="6"/>
+                <c:pt idx="0">
+                  <c:v>5.1000000000000012E-3</c:v>
+                </c:pt>
+                <c:pt idx="1">
+                  <c:v>1.0400000000000003E-2</c:v>
+                </c:pt>
+                <c:pt idx="2">
+                  <c:v>1.0699999999999998E-2</c:v>
+                </c:pt>
+                <c:pt idx="3">
+                  <c:v>1.4600000000000007E-2</c:v>
+                </c:pt>
+                <c:pt idx="4">
+                  <c:v>1.8100000000000022E-2</c:v>
+                </c:pt>
+                <c:pt idx="5">
+                  <c:v>1.6700000000000024E-2</c:v>
+                </c:pt>
+              </c:numCache>
+            </c:numRef>
+          </c:yVal>
+          <c:smooth val="1"/>
+        </c:ser>
+        <c:ser>
+          <c:idx val="3"/>
+          <c:order val="3"/>
+          <c:tx>
+            <c:strRef>
+              <c:f>גיליון8!$F$3</c:f>
+              <c:strCache>
+                <c:ptCount val="1"/>
+                <c:pt idx="0">
+                  <c:v>Fast</c:v>
+                </c:pt>
+              </c:strCache>
+            </c:strRef>
+          </c:tx>
+          <c:marker>
+            <c:symbol val="none"/>
+          </c:marker>
+          <c:xVal>
+            <c:numRef>
+              <c:f>גיליון8!$B$4:$B$9</c:f>
+              <c:numCache>
+                <c:formatCode>General</c:formatCode>
+                <c:ptCount val="6"/>
+                <c:pt idx="0">
+                  <c:v>0.1</c:v>
+                </c:pt>
+                <c:pt idx="1">
+                  <c:v>0.2</c:v>
+                </c:pt>
+                <c:pt idx="2">
+                  <c:v>0.30000000000000032</c:v>
+                </c:pt>
+                <c:pt idx="3">
+                  <c:v>0.4</c:v>
+                </c:pt>
+                <c:pt idx="4">
+                  <c:v>0.5</c:v>
+                </c:pt>
+                <c:pt idx="5">
+                  <c:v>0.60000000000000064</c:v>
+                </c:pt>
+              </c:numCache>
+            </c:numRef>
+          </c:xVal>
+          <c:yVal>
+            <c:numRef>
+              <c:f>גיליון8!$F$4:$F$9</c:f>
+              <c:numCache>
+                <c:formatCode>General</c:formatCode>
+                <c:ptCount val="6"/>
+                <c:pt idx="0">
+                  <c:v>4.6000000000000034E-3</c:v>
+                </c:pt>
+                <c:pt idx="1">
+                  <c:v>9.1000000000000022E-3</c:v>
+                </c:pt>
+                <c:pt idx="2">
+                  <c:v>1.1700000000000021E-2</c:v>
+                </c:pt>
+                <c:pt idx="3">
+                  <c:v>1.5500000000000014E-2</c:v>
+                </c:pt>
+                <c:pt idx="4">
+                  <c:v>2.0700000000000003E-2</c:v>
+                </c:pt>
+                <c:pt idx="5">
+                  <c:v>1.6700000000000024E-2</c:v>
+                </c:pt>
+              </c:numCache>
+            </c:numRef>
+          </c:yVal>
+          <c:smooth val="1"/>
+        </c:ser>
+        <c:axId val="48110592"/>
+        <c:axId val="48133632"/>
+      </c:scatterChart>
+      <c:valAx>
+        <c:axId val="48110592"/>
+        <c:scaling>
+          <c:orientation val="maxMin"/>
+        </c:scaling>
+        <c:axPos val="b"/>
+        <c:title>
+          <c:tx>
+            <c:rich>
+              <a:bodyPr/>
+              <a:lstStyle/>
+              <a:p>
+                <a:pPr>
+                  <a:defRPr lang="he-IL"/>
+                </a:pPr>
+                <a:r>
+                  <a:rPr lang="en-US" sz="1000" b="1" i="0" baseline="0"/>
+                  <a:t>New data packet rate</a:t>
+                </a:r>
+                <a:endParaRPr lang="he-IL" sz="1000" b="1" i="0" baseline="0"/>
+              </a:p>
+            </c:rich>
+          </c:tx>
+          <c:layout/>
+        </c:title>
+        <c:numFmt formatCode="General" sourceLinked="1"/>
+        <c:tickLblPos val="nextTo"/>
+        <c:txPr>
+          <a:bodyPr/>
+          <a:lstStyle/>
+          <a:p>
+            <a:pPr>
+              <a:defRPr lang="he-IL"/>
+            </a:pPr>
+            <a:endParaRPr lang="en-US"/>
+          </a:p>
+        </c:txPr>
+        <c:crossAx val="48133632"/>
+        <c:crosses val="autoZero"/>
+        <c:crossBetween val="midCat"/>
+      </c:valAx>
+      <c:valAx>
+        <c:axId val="48133632"/>
+        <c:scaling>
+          <c:orientation val="minMax"/>
+        </c:scaling>
+        <c:axPos val="r"/>
+        <c:majorGridlines/>
+        <c:title>
+          <c:tx>
+            <c:rich>
+              <a:bodyPr rot="-5400000" vert="horz"/>
+              <a:lstStyle/>
+              <a:p>
+                <a:pPr>
+                  <a:defRPr lang="he-IL"/>
+                </a:pPr>
+                <a:r>
+                  <a:rPr lang="en-US" sz="1000" b="1" i="0" u="none" strike="noStrike" baseline="0"/>
+                  <a:t>Utilization</a:t>
+                </a:r>
+                <a:endParaRPr lang="he-IL"/>
+              </a:p>
+            </c:rich>
+          </c:tx>
+          <c:layout/>
+        </c:title>
+        <c:numFmt formatCode="General" sourceLinked="1"/>
+        <c:tickLblPos val="nextTo"/>
+        <c:txPr>
+          <a:bodyPr/>
+          <a:lstStyle/>
+          <a:p>
+            <a:pPr>
+              <a:defRPr lang="he-IL"/>
+            </a:pPr>
+            <a:endParaRPr lang="en-US"/>
+          </a:p>
+        </c:txPr>
+        <c:crossAx val="48110592"/>
+        <c:crosses val="autoZero"/>
+        <c:crossBetween val="midCat"/>
+      </c:valAx>
+    </c:plotArea>
+    <c:legend>
+      <c:legendPos val="l"/>
+      <c:layout/>
+      <c:txPr>
+        <a:bodyPr/>
+        <a:lstStyle/>
+        <a:p>
+          <a:pPr>
+            <a:defRPr lang="he-IL"/>
+          </a:pPr>
+          <a:endParaRPr lang="en-US"/>
+        </a:p>
+      </c:txPr>
+    </c:legend>
+    <c:plotVisOnly val="1"/>
+  </c:chart>
+  <c:externalData r:id="rId1"/>
+</c:chartSpace>
+</file>
+
+<file path=ppt/charts/chart6.xml><?xml version="1.0" encoding="utf-8"?>
+<c:chartSpace xmlns:c="http://schemas.openxmlformats.org/drawingml/2006/chart" xmlns:a="http://schemas.openxmlformats.org/drawingml/2006/main" xmlns:r="http://schemas.openxmlformats.org/officeDocument/2006/relationships">
+  <c:date1904 val="1"/>
+  <c:lang val="en-US"/>
+  <c:chart>
+    <c:title>
+      <c:tx>
+        <c:rich>
+          <a:bodyPr/>
+          <a:lstStyle/>
+          <a:p>
+            <a:pPr>
+              <a:defRPr lang="he-IL"/>
+            </a:pPr>
+            <a:r>
+              <a:rPr lang="en-US" sz="1800" b="1" i="0" baseline="0"/>
+              <a:t>Minimal MPR Selection, Data through MPR only, Cluster topology</a:t>
+            </a:r>
+            <a:endParaRPr lang="he-IL" sz="1800" b="1" i="0" baseline="0"/>
+          </a:p>
+        </c:rich>
+      </c:tx>
+      <c:layout/>
+    </c:title>
+    <c:plotArea>
+      <c:layout/>
+      <c:scatterChart>
+        <c:scatterStyle val="smoothMarker"/>
+        <c:ser>
+          <c:idx val="0"/>
+          <c:order val="0"/>
+          <c:tx>
+            <c:strRef>
+              <c:f>גיליון6!$C$3</c:f>
+              <c:strCache>
+                <c:ptCount val="1"/>
+                <c:pt idx="0">
+                  <c:v>Static</c:v>
+                </c:pt>
+              </c:strCache>
+            </c:strRef>
+          </c:tx>
+          <c:marker>
+            <c:symbol val="none"/>
+          </c:marker>
+          <c:xVal>
+            <c:numRef>
+              <c:f>גיליון6!$B$4:$B$9</c:f>
+              <c:numCache>
+                <c:formatCode>General</c:formatCode>
+                <c:ptCount val="6"/>
+                <c:pt idx="0">
+                  <c:v>0.1</c:v>
+                </c:pt>
+                <c:pt idx="1">
+                  <c:v>0.2</c:v>
+                </c:pt>
+                <c:pt idx="2">
+                  <c:v>0.30000000000000032</c:v>
+                </c:pt>
+                <c:pt idx="3">
+                  <c:v>0.4</c:v>
+                </c:pt>
+                <c:pt idx="4">
+                  <c:v>0.5</c:v>
+                </c:pt>
+                <c:pt idx="5">
+                  <c:v>0.60000000000000064</c:v>
+                </c:pt>
+              </c:numCache>
+            </c:numRef>
+          </c:xVal>
+          <c:yVal>
+            <c:numRef>
+              <c:f>גיליון6!$C$4:$C$9</c:f>
+              <c:numCache>
+                <c:formatCode>General</c:formatCode>
+                <c:ptCount val="6"/>
+                <c:pt idx="0">
+                  <c:v>9.0000000000000045E-3</c:v>
+                </c:pt>
+                <c:pt idx="1">
+                  <c:v>2.3199999999999988E-2</c:v>
+                </c:pt>
+                <c:pt idx="2">
+                  <c:v>2.7200000000000016E-2</c:v>
+                </c:pt>
+                <c:pt idx="3">
+                  <c:v>3.5300000000000012E-2</c:v>
+                </c:pt>
+                <c:pt idx="4">
+                  <c:v>4.2600000000000013E-2</c:v>
+                </c:pt>
+                <c:pt idx="5">
+                  <c:v>3.910000000000001E-2</c:v>
+                </c:pt>
+              </c:numCache>
+            </c:numRef>
+          </c:yVal>
+          <c:smooth val="1"/>
+        </c:ser>
+        <c:ser>
+          <c:idx val="1"/>
+          <c:order val="1"/>
+          <c:tx>
+            <c:strRef>
+              <c:f>גיליון6!$D$3</c:f>
+              <c:strCache>
+                <c:ptCount val="1"/>
+                <c:pt idx="0">
+                  <c:v>Slow</c:v>
+                </c:pt>
+              </c:strCache>
+            </c:strRef>
+          </c:tx>
+          <c:marker>
+            <c:symbol val="none"/>
+          </c:marker>
+          <c:xVal>
+            <c:numRef>
+              <c:f>גיליון6!$B$4:$B$9</c:f>
+              <c:numCache>
+                <c:formatCode>General</c:formatCode>
+                <c:ptCount val="6"/>
+                <c:pt idx="0">
+                  <c:v>0.1</c:v>
+                </c:pt>
+                <c:pt idx="1">
+                  <c:v>0.2</c:v>
+                </c:pt>
+                <c:pt idx="2">
+                  <c:v>0.30000000000000032</c:v>
+                </c:pt>
+                <c:pt idx="3">
+                  <c:v>0.4</c:v>
+                </c:pt>
+                <c:pt idx="4">
+                  <c:v>0.5</c:v>
+                </c:pt>
+                <c:pt idx="5">
+                  <c:v>0.60000000000000064</c:v>
+                </c:pt>
+              </c:numCache>
+            </c:numRef>
+          </c:xVal>
+          <c:yVal>
+            <c:numRef>
+              <c:f>גיליון6!$D$4:$D$9</c:f>
+              <c:numCache>
+                <c:formatCode>General</c:formatCode>
+                <c:ptCount val="6"/>
+                <c:pt idx="0">
+                  <c:v>6.0000000000000071E-3</c:v>
+                </c:pt>
+                <c:pt idx="1">
+                  <c:v>1.4500000000000002E-2</c:v>
+                </c:pt>
+                <c:pt idx="2">
+                  <c:v>1.8900000000000021E-2</c:v>
+                </c:pt>
+                <c:pt idx="3">
+                  <c:v>2.8500000000000001E-2</c:v>
+                </c:pt>
+                <c:pt idx="4">
+                  <c:v>2.7300000000000005E-2</c:v>
+                </c:pt>
+                <c:pt idx="5">
+                  <c:v>3.0600000000000002E-2</c:v>
+                </c:pt>
+              </c:numCache>
+            </c:numRef>
+          </c:yVal>
+          <c:smooth val="1"/>
+        </c:ser>
+        <c:ser>
+          <c:idx val="2"/>
+          <c:order val="2"/>
+          <c:tx>
+            <c:strRef>
+              <c:f>גיליון6!$E$3</c:f>
+              <c:strCache>
+                <c:ptCount val="1"/>
+                <c:pt idx="0">
+                  <c:v>Medium</c:v>
+                </c:pt>
+              </c:strCache>
+            </c:strRef>
+          </c:tx>
+          <c:marker>
+            <c:symbol val="none"/>
+          </c:marker>
+          <c:xVal>
+            <c:numRef>
+              <c:f>גיליון6!$B$4:$B$9</c:f>
+              <c:numCache>
+                <c:formatCode>General</c:formatCode>
+                <c:ptCount val="6"/>
+                <c:pt idx="0">
+                  <c:v>0.1</c:v>
+                </c:pt>
+                <c:pt idx="1">
+                  <c:v>0.2</c:v>
+                </c:pt>
+                <c:pt idx="2">
+                  <c:v>0.30000000000000032</c:v>
+                </c:pt>
+                <c:pt idx="3">
+                  <c:v>0.4</c:v>
+                </c:pt>
+                <c:pt idx="4">
+                  <c:v>0.5</c:v>
+                </c:pt>
+                <c:pt idx="5">
+                  <c:v>0.60000000000000064</c:v>
+                </c:pt>
+              </c:numCache>
+            </c:numRef>
+          </c:xVal>
+          <c:yVal>
+            <c:numRef>
+              <c:f>גיליון6!$E$4:$E$9</c:f>
+              <c:numCache>
+                <c:formatCode>General</c:formatCode>
+                <c:ptCount val="6"/>
+                <c:pt idx="0">
+                  <c:v>7.1000000000000013E-3</c:v>
+                </c:pt>
+                <c:pt idx="1">
+                  <c:v>1.6299999999999999E-2</c:v>
+                </c:pt>
+                <c:pt idx="2">
+                  <c:v>2.0700000000000003E-2</c:v>
+                </c:pt>
+                <c:pt idx="3">
+                  <c:v>1.9400000000000028E-2</c:v>
+                </c:pt>
+                <c:pt idx="4">
+                  <c:v>3.450000000000001E-2</c:v>
+                </c:pt>
+                <c:pt idx="5">
+                  <c:v>3.6900000000000009E-2</c:v>
+                </c:pt>
+              </c:numCache>
+            </c:numRef>
+          </c:yVal>
+          <c:smooth val="1"/>
+        </c:ser>
+        <c:ser>
+          <c:idx val="3"/>
+          <c:order val="3"/>
+          <c:tx>
+            <c:strRef>
+              <c:f>גיליון6!$F$3</c:f>
+              <c:strCache>
+                <c:ptCount val="1"/>
+                <c:pt idx="0">
+                  <c:v>Fast</c:v>
+                </c:pt>
+              </c:strCache>
+            </c:strRef>
+          </c:tx>
+          <c:marker>
+            <c:symbol val="none"/>
+          </c:marker>
+          <c:xVal>
+            <c:numRef>
+              <c:f>גיליון6!$B$4:$B$9</c:f>
+              <c:numCache>
+                <c:formatCode>General</c:formatCode>
+                <c:ptCount val="6"/>
+                <c:pt idx="0">
+                  <c:v>0.1</c:v>
+                </c:pt>
+                <c:pt idx="1">
+                  <c:v>0.2</c:v>
+                </c:pt>
+                <c:pt idx="2">
+                  <c:v>0.30000000000000032</c:v>
+                </c:pt>
+                <c:pt idx="3">
+                  <c:v>0.4</c:v>
+                </c:pt>
+                <c:pt idx="4">
+                  <c:v>0.5</c:v>
+                </c:pt>
+                <c:pt idx="5">
+                  <c:v>0.60000000000000064</c:v>
+                </c:pt>
+              </c:numCache>
+            </c:numRef>
+          </c:xVal>
+          <c:yVal>
+            <c:numRef>
+              <c:f>גיליון6!$F$4:$F$9</c:f>
+              <c:numCache>
+                <c:formatCode>General</c:formatCode>
+                <c:ptCount val="6"/>
+                <c:pt idx="0">
+                  <c:v>7.6000000000000061E-3</c:v>
+                </c:pt>
+                <c:pt idx="1">
+                  <c:v>2.0799999999999999E-2</c:v>
+                </c:pt>
+                <c:pt idx="2">
+                  <c:v>2.35E-2</c:v>
+                </c:pt>
+                <c:pt idx="3">
+                  <c:v>2.4600000000000014E-2</c:v>
+                </c:pt>
+                <c:pt idx="4">
+                  <c:v>3.0800000000000015E-2</c:v>
+                </c:pt>
+                <c:pt idx="5">
+                  <c:v>2.0600000000000014E-2</c:v>
+                </c:pt>
+              </c:numCache>
+            </c:numRef>
+          </c:yVal>
+          <c:smooth val="1"/>
+        </c:ser>
+        <c:axId val="110760320"/>
+        <c:axId val="110762624"/>
+      </c:scatterChart>
+      <c:valAx>
+        <c:axId val="110760320"/>
+        <c:scaling>
+          <c:orientation val="maxMin"/>
+        </c:scaling>
+        <c:axPos val="b"/>
+        <c:title>
+          <c:tx>
+            <c:rich>
+              <a:bodyPr/>
+              <a:lstStyle/>
+              <a:p>
+                <a:pPr>
+                  <a:defRPr lang="he-IL"/>
+                </a:pPr>
+                <a:r>
+                  <a:rPr lang="en-US" sz="1000" b="1" i="0" baseline="0"/>
+                  <a:t>New data packet rate</a:t>
+                </a:r>
+                <a:endParaRPr lang="he-IL" sz="1000" b="1" i="0" baseline="0"/>
+              </a:p>
+            </c:rich>
+          </c:tx>
+          <c:layout/>
+        </c:title>
+        <c:numFmt formatCode="General" sourceLinked="1"/>
+        <c:tickLblPos val="nextTo"/>
+        <c:txPr>
+          <a:bodyPr/>
+          <a:lstStyle/>
+          <a:p>
+            <a:pPr>
+              <a:defRPr lang="he-IL"/>
+            </a:pPr>
+            <a:endParaRPr lang="en-US"/>
+          </a:p>
+        </c:txPr>
+        <c:crossAx val="110762624"/>
+        <c:crosses val="autoZero"/>
+        <c:crossBetween val="midCat"/>
+      </c:valAx>
+      <c:valAx>
+        <c:axId val="110762624"/>
+        <c:scaling>
+          <c:orientation val="minMax"/>
+        </c:scaling>
+        <c:axPos val="r"/>
+        <c:majorGridlines/>
+        <c:title>
+          <c:tx>
+            <c:rich>
+              <a:bodyPr rot="-5400000" vert="horz"/>
+              <a:lstStyle/>
+              <a:p>
+                <a:pPr>
+                  <a:defRPr lang="he-IL"/>
+                </a:pPr>
+                <a:r>
+                  <a:rPr lang="en-US" sz="1000" b="1" i="0" u="none" strike="noStrike" baseline="0"/>
+                  <a:t>Utilization</a:t>
+                </a:r>
+                <a:endParaRPr lang="he-IL"/>
+              </a:p>
+            </c:rich>
+          </c:tx>
+          <c:layout/>
+        </c:title>
+        <c:numFmt formatCode="General" sourceLinked="1"/>
+        <c:tickLblPos val="nextTo"/>
+        <c:txPr>
+          <a:bodyPr/>
+          <a:lstStyle/>
+          <a:p>
+            <a:pPr>
+              <a:defRPr lang="he-IL"/>
+            </a:pPr>
+            <a:endParaRPr lang="en-US"/>
+          </a:p>
+        </c:txPr>
+        <c:crossAx val="110760320"/>
+        <c:crosses val="autoZero"/>
+        <c:crossBetween val="midCat"/>
+      </c:valAx>
+    </c:plotArea>
+    <c:legend>
+      <c:legendPos val="l"/>
+      <c:layout/>
+      <c:txPr>
+        <a:bodyPr/>
+        <a:lstStyle/>
+        <a:p>
+          <a:pPr>
+            <a:defRPr lang="he-IL"/>
+          </a:pPr>
+          <a:endParaRPr lang="en-US"/>
+        </a:p>
+      </c:txPr>
+    </c:legend>
+    <c:plotVisOnly val="1"/>
+  </c:chart>
+  <c:externalData r:id="rId1"/>
+</c:chartSpace>
 </file>
 
 <file path=ppt/slideLayouts/slideLayout1.xml><?xml version="1.0" encoding="utf-8"?>
@@ -299,7 +2905,7 @@
             <a:fld id="{A68E15C2-E832-4E5A-8BD2-0D7033A14824}" type="datetimeFigureOut">
               <a:rPr lang="he-IL" smtClean="0"/>
               <a:pPr/>
-              <a:t>ו'/אדר/תש"ע</a:t>
+              <a:t>י"ד/אדר/תש"ע</a:t>
             </a:fld>
             <a:endParaRPr lang="he-IL"/>
           </a:p>
@@ -466,7 +3072,7 @@
             <a:fld id="{A68E15C2-E832-4E5A-8BD2-0D7033A14824}" type="datetimeFigureOut">
               <a:rPr lang="he-IL" smtClean="0"/>
               <a:pPr/>
-              <a:t>ו'/אדר/תש"ע</a:t>
+              <a:t>י"ד/אדר/תש"ע</a:t>
             </a:fld>
             <a:endParaRPr lang="he-IL"/>
           </a:p>
@@ -643,7 +3249,7 @@
             <a:fld id="{A68E15C2-E832-4E5A-8BD2-0D7033A14824}" type="datetimeFigureOut">
               <a:rPr lang="he-IL" smtClean="0"/>
               <a:pPr/>
-              <a:t>ו'/אדר/תש"ע</a:t>
+              <a:t>י"ד/אדר/תש"ע</a:t>
             </a:fld>
             <a:endParaRPr lang="he-IL"/>
           </a:p>
@@ -810,7 +3416,7 @@
             <a:fld id="{A68E15C2-E832-4E5A-8BD2-0D7033A14824}" type="datetimeFigureOut">
               <a:rPr lang="he-IL" smtClean="0"/>
               <a:pPr/>
-              <a:t>ו'/אדר/תש"ע</a:t>
+              <a:t>י"ד/אדר/תש"ע</a:t>
             </a:fld>
             <a:endParaRPr lang="he-IL"/>
           </a:p>
@@ -1053,7 +3659,7 @@
             <a:fld id="{A68E15C2-E832-4E5A-8BD2-0D7033A14824}" type="datetimeFigureOut">
               <a:rPr lang="he-IL" smtClean="0"/>
               <a:pPr/>
-              <a:t>ו'/אדר/תש"ע</a:t>
+              <a:t>י"ד/אדר/תש"ע</a:t>
             </a:fld>
             <a:endParaRPr lang="he-IL"/>
           </a:p>
@@ -1338,7 +3944,7 @@
             <a:fld id="{A68E15C2-E832-4E5A-8BD2-0D7033A14824}" type="datetimeFigureOut">
               <a:rPr lang="he-IL" smtClean="0"/>
               <a:pPr/>
-              <a:t>ו'/אדר/תש"ע</a:t>
+              <a:t>י"ד/אדר/תש"ע</a:t>
             </a:fld>
             <a:endParaRPr lang="he-IL"/>
           </a:p>
@@ -1757,7 +4363,7 @@
             <a:fld id="{A68E15C2-E832-4E5A-8BD2-0D7033A14824}" type="datetimeFigureOut">
               <a:rPr lang="he-IL" smtClean="0"/>
               <a:pPr/>
-              <a:t>ו'/אדר/תש"ע</a:t>
+              <a:t>י"ד/אדר/תש"ע</a:t>
             </a:fld>
             <a:endParaRPr lang="he-IL"/>
           </a:p>
@@ -1872,7 +4478,7 @@
             <a:fld id="{A68E15C2-E832-4E5A-8BD2-0D7033A14824}" type="datetimeFigureOut">
               <a:rPr lang="he-IL" smtClean="0"/>
               <a:pPr/>
-              <a:t>ו'/אדר/תש"ע</a:t>
+              <a:t>י"ד/אדר/תש"ע</a:t>
             </a:fld>
             <a:endParaRPr lang="he-IL"/>
           </a:p>
@@ -1964,7 +4570,7 @@
             <a:fld id="{A68E15C2-E832-4E5A-8BD2-0D7033A14824}" type="datetimeFigureOut">
               <a:rPr lang="he-IL" smtClean="0"/>
               <a:pPr/>
-              <a:t>ו'/אדר/תש"ע</a:t>
+              <a:t>י"ד/אדר/תש"ע</a:t>
             </a:fld>
             <a:endParaRPr lang="he-IL"/>
           </a:p>
@@ -2238,7 +4844,7 @@
             <a:fld id="{A68E15C2-E832-4E5A-8BD2-0D7033A14824}" type="datetimeFigureOut">
               <a:rPr lang="he-IL" smtClean="0"/>
               <a:pPr/>
-              <a:t>ו'/אדר/תש"ע</a:t>
+              <a:t>י"ד/אדר/תש"ע</a:t>
             </a:fld>
             <a:endParaRPr lang="he-IL"/>
           </a:p>
@@ -2488,7 +5094,7 @@
             <a:fld id="{A68E15C2-E832-4E5A-8BD2-0D7033A14824}" type="datetimeFigureOut">
               <a:rPr lang="he-IL" smtClean="0"/>
               <a:pPr/>
-              <a:t>ו'/אדר/תש"ע</a:t>
+              <a:t>י"ד/אדר/תש"ע</a:t>
             </a:fld>
             <a:endParaRPr lang="he-IL"/>
           </a:p>
@@ -2698,7 +5304,7 @@
             <a:fld id="{A68E15C2-E832-4E5A-8BD2-0D7033A14824}" type="datetimeFigureOut">
               <a:rPr lang="he-IL" smtClean="0"/>
               <a:pPr/>
-              <a:t>ו'/אדר/תש"ע</a:t>
+              <a:t>י"ד/אדר/תש"ע</a:t>
             </a:fld>
             <a:endParaRPr lang="he-IL"/>
           </a:p>
@@ -3109,11 +5715,7 @@
           <a:p>
             <a:r>
               <a:rPr lang="en-US" dirty="0" smtClean="0"/>
-              <a:t>Final</a:t>
-            </a:r>
-            <a:r>
-              <a:rPr lang="en-US" dirty="0" smtClean="0"/>
-              <a:t> presentation</a:t>
+              <a:t>Final presentation</a:t>
             </a:r>
             <a:endParaRPr lang="he-IL" dirty="0"/>
           </a:p>
@@ -3199,6 +5801,963 @@
       </p:grpSpPr>
       <p:sp>
         <p:nvSpPr>
+          <p:cNvPr id="2" name="Title 1"/>
+          <p:cNvSpPr>
+            <a:spLocks noGrp="1"/>
+          </p:cNvSpPr>
+          <p:nvPr>
+            <p:ph type="title"/>
+          </p:nvPr>
+        </p:nvSpPr>
+        <p:spPr/>
+        <p:txBody>
+          <a:bodyPr>
+            <a:normAutofit/>
+          </a:bodyPr>
+          <a:lstStyle/>
+          <a:p>
+            <a:r>
+              <a:rPr lang="en-US" dirty="0" smtClean="0"/>
+              <a:t>The Simulator</a:t>
+            </a:r>
+            <a:endParaRPr lang="en-US" dirty="0"/>
+          </a:p>
+        </p:txBody>
+      </p:sp>
+      <p:pic>
+        <p:nvPicPr>
+          <p:cNvPr id="4" name="Content Placeholder 3"/>
+          <p:cNvPicPr>
+            <a:picLocks noGrp="1"/>
+          </p:cNvPicPr>
+          <p:nvPr>
+            <p:ph idx="1"/>
+          </p:nvPr>
+        </p:nvPicPr>
+        <p:blipFill>
+          <a:blip r:embed="rId2" cstate="print"/>
+          <a:srcRect/>
+          <a:stretch>
+            <a:fillRect/>
+          </a:stretch>
+        </p:blipFill>
+        <p:spPr bwMode="auto">
+          <a:xfrm>
+            <a:off x="357158" y="1214422"/>
+            <a:ext cx="8286808" cy="5429288"/>
+          </a:xfrm>
+          <a:prstGeom prst="rect">
+            <a:avLst/>
+          </a:prstGeom>
+          <a:noFill/>
+          <a:ln w="9525">
+            <a:noFill/>
+            <a:miter lim="800000"/>
+            <a:headEnd/>
+            <a:tailEnd/>
+          </a:ln>
+        </p:spPr>
+      </p:pic>
+      <p:sp>
+        <p:nvSpPr>
+          <p:cNvPr id="5" name="TextBox 4"/>
+          <p:cNvSpPr txBox="1"/>
+          <p:nvPr/>
+        </p:nvSpPr>
+        <p:spPr>
+          <a:xfrm>
+            <a:off x="214282" y="214290"/>
+            <a:ext cx="2571768" cy="369332"/>
+          </a:xfrm>
+          <a:prstGeom prst="rect">
+            <a:avLst/>
+          </a:prstGeom>
+        </p:spPr>
+        <p:style>
+          <a:lnRef idx="1">
+            <a:schemeClr val="accent5"/>
+          </a:lnRef>
+          <a:fillRef idx="2">
+            <a:schemeClr val="accent5"/>
+          </a:fillRef>
+          <a:effectRef idx="1">
+            <a:schemeClr val="accent5"/>
+          </a:effectRef>
+          <a:fontRef idx="minor">
+            <a:schemeClr val="dk1"/>
+          </a:fontRef>
+        </p:style>
+        <p:txBody>
+          <a:bodyPr wrap="square" rtlCol="0">
+            <a:spAutoFit/>
+          </a:bodyPr>
+          <a:lstStyle/>
+          <a:p>
+            <a:pPr algn="ctr" rtl="0"/>
+            <a:r>
+              <a:rPr lang="en-US" dirty="0" smtClean="0"/>
+              <a:t>Different parameters</a:t>
+            </a:r>
+            <a:endParaRPr lang="en-US" dirty="0"/>
+          </a:p>
+        </p:txBody>
+      </p:sp>
+      <p:cxnSp>
+        <p:nvCxnSpPr>
+          <p:cNvPr id="7" name="Straight Arrow Connector 6"/>
+          <p:cNvCxnSpPr>
+            <a:stCxn id="5" idx="2"/>
+          </p:cNvCxnSpPr>
+          <p:nvPr/>
+        </p:nvCxnSpPr>
+        <p:spPr>
+          <a:xfrm rot="5400000">
+            <a:off x="398948" y="1113336"/>
+            <a:ext cx="1630932" cy="571504"/>
+          </a:xfrm>
+          <a:prstGeom prst="straightConnector1">
+            <a:avLst/>
+          </a:prstGeom>
+          <a:ln>
+            <a:tailEnd type="arrow"/>
+          </a:ln>
+        </p:spPr>
+        <p:style>
+          <a:lnRef idx="2">
+            <a:schemeClr val="dk1"/>
+          </a:lnRef>
+          <a:fillRef idx="0">
+            <a:schemeClr val="dk1"/>
+          </a:fillRef>
+          <a:effectRef idx="1">
+            <a:schemeClr val="dk1"/>
+          </a:effectRef>
+          <a:fontRef idx="minor">
+            <a:schemeClr val="tx1"/>
+          </a:fontRef>
+        </p:style>
+      </p:cxnSp>
+      <p:sp>
+        <p:nvSpPr>
+          <p:cNvPr id="10" name="TextBox 9"/>
+          <p:cNvSpPr txBox="1"/>
+          <p:nvPr/>
+        </p:nvSpPr>
+        <p:spPr>
+          <a:xfrm>
+            <a:off x="2285984" y="2500306"/>
+            <a:ext cx="2571768" cy="369332"/>
+          </a:xfrm>
+          <a:prstGeom prst="rect">
+            <a:avLst/>
+          </a:prstGeom>
+        </p:spPr>
+        <p:style>
+          <a:lnRef idx="1">
+            <a:schemeClr val="accent5"/>
+          </a:lnRef>
+          <a:fillRef idx="2">
+            <a:schemeClr val="accent5"/>
+          </a:fillRef>
+          <a:effectRef idx="1">
+            <a:schemeClr val="accent5"/>
+          </a:effectRef>
+          <a:fontRef idx="minor">
+            <a:schemeClr val="dk1"/>
+          </a:fontRef>
+        </p:style>
+        <p:txBody>
+          <a:bodyPr wrap="square" rtlCol="0">
+            <a:spAutoFit/>
+          </a:bodyPr>
+          <a:lstStyle/>
+          <a:p>
+            <a:pPr algn="ctr" rtl="0"/>
+            <a:r>
+              <a:rPr lang="en-US" dirty="0" smtClean="0"/>
+              <a:t>Simulation Time</a:t>
+            </a:r>
+            <a:endParaRPr lang="en-US" dirty="0"/>
+          </a:p>
+        </p:txBody>
+      </p:sp>
+      <p:cxnSp>
+        <p:nvCxnSpPr>
+          <p:cNvPr id="12" name="Straight Arrow Connector 11"/>
+          <p:cNvCxnSpPr/>
+          <p:nvPr/>
+        </p:nvCxnSpPr>
+        <p:spPr>
+          <a:xfrm rot="10800000">
+            <a:off x="2285984" y="1785926"/>
+            <a:ext cx="1071570" cy="714380"/>
+          </a:xfrm>
+          <a:prstGeom prst="straightConnector1">
+            <a:avLst/>
+          </a:prstGeom>
+          <a:ln>
+            <a:tailEnd type="arrow"/>
+          </a:ln>
+        </p:spPr>
+        <p:style>
+          <a:lnRef idx="2">
+            <a:schemeClr val="dk1"/>
+          </a:lnRef>
+          <a:fillRef idx="0">
+            <a:schemeClr val="dk1"/>
+          </a:fillRef>
+          <a:effectRef idx="1">
+            <a:schemeClr val="dk1"/>
+          </a:effectRef>
+          <a:fontRef idx="minor">
+            <a:schemeClr val="tx1"/>
+          </a:fontRef>
+        </p:style>
+      </p:cxnSp>
+      <p:sp>
+        <p:nvSpPr>
+          <p:cNvPr id="14" name="TextBox 13"/>
+          <p:cNvSpPr txBox="1"/>
+          <p:nvPr/>
+        </p:nvSpPr>
+        <p:spPr>
+          <a:xfrm>
+            <a:off x="5572132" y="5072074"/>
+            <a:ext cx="2571768" cy="646331"/>
+          </a:xfrm>
+          <a:prstGeom prst="rect">
+            <a:avLst/>
+          </a:prstGeom>
+        </p:spPr>
+        <p:style>
+          <a:lnRef idx="1">
+            <a:schemeClr val="accent5"/>
+          </a:lnRef>
+          <a:fillRef idx="2">
+            <a:schemeClr val="accent5"/>
+          </a:fillRef>
+          <a:effectRef idx="1">
+            <a:schemeClr val="accent5"/>
+          </a:effectRef>
+          <a:fontRef idx="minor">
+            <a:schemeClr val="dk1"/>
+          </a:fontRef>
+        </p:style>
+        <p:txBody>
+          <a:bodyPr wrap="square" rtlCol="0">
+            <a:spAutoFit/>
+          </a:bodyPr>
+          <a:lstStyle/>
+          <a:p>
+            <a:pPr algn="ctr" rtl="0"/>
+            <a:r>
+              <a:rPr lang="en-US" dirty="0" smtClean="0"/>
+              <a:t>Data Transfer Between Stations </a:t>
+            </a:r>
+            <a:endParaRPr lang="en-US" dirty="0"/>
+          </a:p>
+        </p:txBody>
+      </p:sp>
+      <p:cxnSp>
+        <p:nvCxnSpPr>
+          <p:cNvPr id="16" name="Straight Arrow Connector 15"/>
+          <p:cNvCxnSpPr/>
+          <p:nvPr/>
+        </p:nvCxnSpPr>
+        <p:spPr>
+          <a:xfrm rot="16200000" flipV="1">
+            <a:off x="5107785" y="3893347"/>
+            <a:ext cx="1214446" cy="1143008"/>
+          </a:xfrm>
+          <a:prstGeom prst="straightConnector1">
+            <a:avLst/>
+          </a:prstGeom>
+          <a:ln>
+            <a:tailEnd type="arrow"/>
+          </a:ln>
+        </p:spPr>
+        <p:style>
+          <a:lnRef idx="2">
+            <a:schemeClr val="dk1"/>
+          </a:lnRef>
+          <a:fillRef idx="0">
+            <a:schemeClr val="dk1"/>
+          </a:fillRef>
+          <a:effectRef idx="1">
+            <a:schemeClr val="dk1"/>
+          </a:effectRef>
+          <a:fontRef idx="minor">
+            <a:schemeClr val="tx1"/>
+          </a:fontRef>
+        </p:style>
+      </p:cxnSp>
+    </p:spTree>
+  </p:cSld>
+  <p:clrMapOvr>
+    <a:masterClrMapping/>
+  </p:clrMapOvr>
+  <p:timing>
+    <p:tnLst>
+      <p:par>
+        <p:cTn id="1" dur="indefinite" restart="never" nodeType="tmRoot"/>
+      </p:par>
+    </p:tnLst>
+  </p:timing>
+</p:sld>
+</file>
+
+<file path=ppt/slides/slide11.xml><?xml version="1.0" encoding="utf-8"?>
+<p:sld xmlns:a="http://schemas.openxmlformats.org/drawingml/2006/main" xmlns:r="http://schemas.openxmlformats.org/officeDocument/2006/relationships" xmlns:p="http://schemas.openxmlformats.org/presentationml/2006/main">
+  <p:cSld>
+    <p:spTree>
+      <p:nvGrpSpPr>
+        <p:cNvPr id="1" name=""/>
+        <p:cNvGrpSpPr/>
+        <p:nvPr/>
+      </p:nvGrpSpPr>
+      <p:grpSpPr>
+        <a:xfrm>
+          <a:off x="0" y="0"/>
+          <a:ext cx="0" cy="0"/>
+          <a:chOff x="0" y="0"/>
+          <a:chExt cx="0" cy="0"/>
+        </a:xfrm>
+      </p:grpSpPr>
+      <p:sp>
+        <p:nvSpPr>
+          <p:cNvPr id="2" name="Title 1"/>
+          <p:cNvSpPr>
+            <a:spLocks noGrp="1"/>
+          </p:cNvSpPr>
+          <p:nvPr>
+            <p:ph type="title"/>
+          </p:nvPr>
+        </p:nvSpPr>
+        <p:spPr/>
+        <p:txBody>
+          <a:bodyPr/>
+          <a:lstStyle/>
+          <a:p>
+            <a:r>
+              <a:rPr lang="en-US" dirty="0" smtClean="0"/>
+              <a:t>The Simulator Cont.</a:t>
+            </a:r>
+            <a:endParaRPr lang="en-US" dirty="0"/>
+          </a:p>
+        </p:txBody>
+      </p:sp>
+      <p:pic>
+        <p:nvPicPr>
+          <p:cNvPr id="4" name="Content Placeholder 3"/>
+          <p:cNvPicPr>
+            <a:picLocks noGrp="1"/>
+          </p:cNvPicPr>
+          <p:nvPr>
+            <p:ph idx="1"/>
+          </p:nvPr>
+        </p:nvPicPr>
+        <p:blipFill>
+          <a:blip r:embed="rId2" cstate="print"/>
+          <a:srcRect/>
+          <a:stretch>
+            <a:fillRect/>
+          </a:stretch>
+        </p:blipFill>
+        <p:spPr bwMode="auto">
+          <a:xfrm>
+            <a:off x="5143504" y="1357298"/>
+            <a:ext cx="3612834" cy="3000396"/>
+          </a:xfrm>
+          <a:prstGeom prst="rect">
+            <a:avLst/>
+          </a:prstGeom>
+          <a:noFill/>
+          <a:ln w="19050">
+            <a:solidFill>
+              <a:schemeClr val="tx1"/>
+            </a:solidFill>
+            <a:miter lim="800000"/>
+            <a:headEnd/>
+            <a:tailEnd/>
+          </a:ln>
+        </p:spPr>
+      </p:pic>
+      <p:sp>
+        <p:nvSpPr>
+          <p:cNvPr id="1026" name="Text Box 2"/>
+          <p:cNvSpPr txBox="1">
+            <a:spLocks noChangeArrowheads="1"/>
+          </p:cNvSpPr>
+          <p:nvPr/>
+        </p:nvSpPr>
+        <p:spPr bwMode="auto">
+          <a:xfrm>
+            <a:off x="5929322" y="4429132"/>
+            <a:ext cx="2143140" cy="246221"/>
+          </a:xfrm>
+          <a:prstGeom prst="rect">
+            <a:avLst/>
+          </a:prstGeom>
+          <a:noFill/>
+          <a:ln w="9525">
+            <a:noFill/>
+            <a:miter lim="800000"/>
+            <a:headEnd/>
+            <a:tailEnd/>
+          </a:ln>
+        </p:spPr>
+        <p:txBody>
+          <a:bodyPr vert="horz" wrap="square" lIns="0" tIns="0" rIns="0" bIns="0" numCol="1" anchor="t" anchorCtr="0" compatLnSpc="1">
+            <a:prstTxWarp prst="textNoShape">
+              <a:avLst/>
+            </a:prstTxWarp>
+            <a:spAutoFit/>
+          </a:bodyPr>
+          <a:lstStyle/>
+          <a:p>
+            <a:pPr marL="0" marR="0" lvl="0" indent="0" algn="ctr" defTabSz="914400" rtl="1" eaLnBrk="1" fontAlgn="base" latinLnBrk="0" hangingPunct="1">
+              <a:lnSpc>
+                <a:spcPct val="100000"/>
+              </a:lnSpc>
+              <a:spcBef>
+                <a:spcPts val="600"/>
+              </a:spcBef>
+              <a:spcAft>
+                <a:spcPts val="600"/>
+              </a:spcAft>
+              <a:buClrTx/>
+              <a:buSzTx/>
+              <a:buFontTx/>
+              <a:buNone/>
+              <a:tabLst/>
+            </a:pPr>
+            <a:r>
+              <a:rPr kumimoji="0" lang="en-US" sz="1600" b="1" i="0" u="none" strike="noStrike" cap="none" normalizeH="0" baseline="0" noProof="1" smtClean="0">
+                <a:solidFill>
+                  <a:schemeClr val="tx1"/>
+                </a:solidFill>
+                <a:effectLst/>
+                <a:latin typeface="Times New Roman" pitchFamily="18" charset="0"/>
+                <a:ea typeface="Arial" pitchFamily="34" charset="0"/>
+                <a:cs typeface="Arial" pitchFamily="34" charset="0"/>
+              </a:rPr>
+              <a:t>Uniform</a:t>
+            </a:r>
+            <a:r>
+              <a:rPr kumimoji="0" lang="en-US" sz="1600" b="1" i="0" u="none" strike="noStrike" cap="none" normalizeH="0" baseline="0" dirty="0" smtClean="0">
+                <a:solidFill>
+                  <a:schemeClr val="tx1"/>
+                </a:solidFill>
+                <a:effectLst/>
+                <a:latin typeface="Times New Roman" pitchFamily="18" charset="0"/>
+                <a:ea typeface="Arial" pitchFamily="34" charset="0"/>
+                <a:cs typeface="Arial" pitchFamily="34" charset="0"/>
+              </a:rPr>
+              <a:t> </a:t>
+            </a:r>
+            <a:r>
+              <a:rPr kumimoji="0" lang="en-US" sz="1600" b="1" i="0" u="none" strike="noStrike" cap="none" normalizeH="0" baseline="0" noProof="1" smtClean="0">
+                <a:solidFill>
+                  <a:schemeClr val="tx1"/>
+                </a:solidFill>
+                <a:effectLst/>
+                <a:latin typeface="Times New Roman" pitchFamily="18" charset="0"/>
+                <a:ea typeface="Arial" pitchFamily="34" charset="0"/>
+                <a:cs typeface="Arial" pitchFamily="34" charset="0"/>
+              </a:rPr>
+              <a:t>formation</a:t>
+            </a:r>
+            <a:endParaRPr kumimoji="0" lang="en-US" sz="3600" b="0" i="0" u="none" strike="noStrike" cap="none" normalizeH="0" baseline="0" dirty="0" smtClean="0">
+              <a:solidFill>
+                <a:schemeClr val="tx1"/>
+              </a:solidFill>
+              <a:effectLst/>
+              <a:latin typeface="Arial" pitchFamily="34" charset="0"/>
+              <a:cs typeface="Arial" pitchFamily="34" charset="0"/>
+            </a:endParaRPr>
+          </a:p>
+        </p:txBody>
+      </p:sp>
+      <p:pic>
+        <p:nvPicPr>
+          <p:cNvPr id="6" name="Picture 5"/>
+          <p:cNvPicPr/>
+          <p:nvPr/>
+        </p:nvPicPr>
+        <p:blipFill>
+          <a:blip r:embed="rId3" cstate="print"/>
+          <a:srcRect/>
+          <a:stretch>
+            <a:fillRect/>
+          </a:stretch>
+        </p:blipFill>
+        <p:spPr bwMode="auto">
+          <a:xfrm>
+            <a:off x="642910" y="3571876"/>
+            <a:ext cx="3583940" cy="2962121"/>
+          </a:xfrm>
+          <a:prstGeom prst="rect">
+            <a:avLst/>
+          </a:prstGeom>
+          <a:solidFill>
+            <a:schemeClr val="tx1"/>
+          </a:solidFill>
+          <a:ln w="19050">
+            <a:solidFill>
+              <a:schemeClr val="tx1"/>
+            </a:solidFill>
+            <a:miter lim="800000"/>
+            <a:headEnd/>
+            <a:tailEnd/>
+          </a:ln>
+        </p:spPr>
+      </p:pic>
+      <p:sp>
+        <p:nvSpPr>
+          <p:cNvPr id="8" name="Text Box 2"/>
+          <p:cNvSpPr txBox="1">
+            <a:spLocks noChangeArrowheads="1"/>
+          </p:cNvSpPr>
+          <p:nvPr/>
+        </p:nvSpPr>
+        <p:spPr bwMode="auto">
+          <a:xfrm>
+            <a:off x="1357290" y="3071810"/>
+            <a:ext cx="2143140" cy="246221"/>
+          </a:xfrm>
+          <a:prstGeom prst="rect">
+            <a:avLst/>
+          </a:prstGeom>
+          <a:noFill/>
+          <a:ln w="9525">
+            <a:noFill/>
+            <a:miter lim="800000"/>
+            <a:headEnd/>
+            <a:tailEnd/>
+          </a:ln>
+        </p:spPr>
+        <p:txBody>
+          <a:bodyPr vert="horz" wrap="square" lIns="0" tIns="0" rIns="0" bIns="0" numCol="1" anchor="t" anchorCtr="0" compatLnSpc="1">
+            <a:prstTxWarp prst="textNoShape">
+              <a:avLst/>
+            </a:prstTxWarp>
+            <a:spAutoFit/>
+          </a:bodyPr>
+          <a:lstStyle/>
+          <a:p>
+            <a:pPr lvl="0" algn="ctr" fontAlgn="base">
+              <a:spcBef>
+                <a:spcPts val="600"/>
+              </a:spcBef>
+              <a:spcAft>
+                <a:spcPts val="600"/>
+              </a:spcAft>
+            </a:pPr>
+            <a:r>
+              <a:rPr lang="en-US" sz="1600" b="1" noProof="1" smtClean="0">
+                <a:latin typeface="Times New Roman" pitchFamily="18" charset="0"/>
+                <a:ea typeface="Arial" pitchFamily="34" charset="0"/>
+                <a:cs typeface="Arial" pitchFamily="34" charset="0"/>
+              </a:rPr>
+              <a:t>Cluster Distribition</a:t>
+            </a:r>
+            <a:endParaRPr kumimoji="0" lang="en-US" sz="3600" b="0" i="0" u="none" strike="noStrike" cap="none" normalizeH="0" baseline="0" dirty="0" smtClean="0">
+              <a:solidFill>
+                <a:schemeClr val="tx1"/>
+              </a:solidFill>
+              <a:effectLst/>
+              <a:latin typeface="Arial" pitchFamily="34" charset="0"/>
+              <a:cs typeface="Arial" pitchFamily="34" charset="0"/>
+            </a:endParaRPr>
+          </a:p>
+        </p:txBody>
+      </p:sp>
+    </p:spTree>
+  </p:cSld>
+  <p:clrMapOvr>
+    <a:masterClrMapping/>
+  </p:clrMapOvr>
+</p:sld>
+</file>
+
+<file path=ppt/slides/slide12.xml><?xml version="1.0" encoding="utf-8"?>
+<p:sld xmlns:a="http://schemas.openxmlformats.org/drawingml/2006/main" xmlns:r="http://schemas.openxmlformats.org/officeDocument/2006/relationships" xmlns:p="http://schemas.openxmlformats.org/presentationml/2006/main">
+  <p:cSld>
+    <p:spTree>
+      <p:nvGrpSpPr>
+        <p:cNvPr id="1" name=""/>
+        <p:cNvGrpSpPr/>
+        <p:nvPr/>
+      </p:nvGrpSpPr>
+      <p:grpSpPr>
+        <a:xfrm>
+          <a:off x="0" y="0"/>
+          <a:ext cx="0" cy="0"/>
+          <a:chOff x="0" y="0"/>
+          <a:chExt cx="0" cy="0"/>
+        </a:xfrm>
+      </p:grpSpPr>
+      <p:sp>
+        <p:nvSpPr>
+          <p:cNvPr id="2" name="Title 1"/>
+          <p:cNvSpPr>
+            <a:spLocks noGrp="1"/>
+          </p:cNvSpPr>
+          <p:nvPr>
+            <p:ph type="title"/>
+          </p:nvPr>
+        </p:nvSpPr>
+        <p:spPr/>
+        <p:txBody>
+          <a:bodyPr/>
+          <a:lstStyle/>
+          <a:p>
+            <a:r>
+              <a:rPr lang="en-US" dirty="0" smtClean="0"/>
+              <a:t>The Simulator – Logger &amp;SQL</a:t>
+            </a:r>
+            <a:endParaRPr lang="en-US" dirty="0"/>
+          </a:p>
+        </p:txBody>
+      </p:sp>
+      <p:pic>
+        <p:nvPicPr>
+          <p:cNvPr id="2051" name="Picture 3"/>
+          <p:cNvPicPr>
+            <a:picLocks noGrp="1" noChangeAspect="1" noChangeArrowheads="1"/>
+          </p:cNvPicPr>
+          <p:nvPr>
+            <p:ph idx="1"/>
+          </p:nvPr>
+        </p:nvPicPr>
+        <p:blipFill>
+          <a:blip r:embed="rId2" cstate="print"/>
+          <a:srcRect/>
+          <a:stretch>
+            <a:fillRect/>
+          </a:stretch>
+        </p:blipFill>
+        <p:spPr bwMode="auto">
+          <a:xfrm>
+            <a:off x="214282" y="1214422"/>
+            <a:ext cx="8715436" cy="5352336"/>
+          </a:xfrm>
+          <a:prstGeom prst="rect">
+            <a:avLst/>
+          </a:prstGeom>
+          <a:noFill/>
+          <a:ln w="9525">
+            <a:noFill/>
+            <a:miter lim="800000"/>
+            <a:headEnd/>
+            <a:tailEnd/>
+          </a:ln>
+        </p:spPr>
+      </p:pic>
+      <p:sp>
+        <p:nvSpPr>
+          <p:cNvPr id="7" name="TextBox 6"/>
+          <p:cNvSpPr txBox="1"/>
+          <p:nvPr/>
+        </p:nvSpPr>
+        <p:spPr>
+          <a:xfrm>
+            <a:off x="5143504" y="3214686"/>
+            <a:ext cx="2571768" cy="369332"/>
+          </a:xfrm>
+          <a:prstGeom prst="rect">
+            <a:avLst/>
+          </a:prstGeom>
+        </p:spPr>
+        <p:style>
+          <a:lnRef idx="1">
+            <a:schemeClr val="accent5"/>
+          </a:lnRef>
+          <a:fillRef idx="2">
+            <a:schemeClr val="accent5"/>
+          </a:fillRef>
+          <a:effectRef idx="1">
+            <a:schemeClr val="accent5"/>
+          </a:effectRef>
+          <a:fontRef idx="minor">
+            <a:schemeClr val="dk1"/>
+          </a:fontRef>
+        </p:style>
+        <p:txBody>
+          <a:bodyPr wrap="square" rtlCol="0">
+            <a:spAutoFit/>
+          </a:bodyPr>
+          <a:lstStyle/>
+          <a:p>
+            <a:pPr algn="ctr" rtl="0"/>
+            <a:r>
+              <a:rPr lang="en-US" dirty="0" smtClean="0"/>
+              <a:t>Data Send &amp; Receive</a:t>
+            </a:r>
+            <a:endParaRPr lang="en-US" dirty="0"/>
+          </a:p>
+        </p:txBody>
+      </p:sp>
+      <p:cxnSp>
+        <p:nvCxnSpPr>
+          <p:cNvPr id="9" name="Straight Arrow Connector 8"/>
+          <p:cNvCxnSpPr>
+            <a:stCxn id="7" idx="1"/>
+          </p:cNvCxnSpPr>
+          <p:nvPr/>
+        </p:nvCxnSpPr>
+        <p:spPr>
+          <a:xfrm rot="10800000" flipV="1">
+            <a:off x="4143372" y="3399352"/>
+            <a:ext cx="1000132" cy="886904"/>
+          </a:xfrm>
+          <a:prstGeom prst="straightConnector1">
+            <a:avLst/>
+          </a:prstGeom>
+          <a:ln>
+            <a:tailEnd type="arrow"/>
+          </a:ln>
+        </p:spPr>
+        <p:style>
+          <a:lnRef idx="2">
+            <a:schemeClr val="dk1"/>
+          </a:lnRef>
+          <a:fillRef idx="0">
+            <a:schemeClr val="dk1"/>
+          </a:fillRef>
+          <a:effectRef idx="1">
+            <a:schemeClr val="dk1"/>
+          </a:effectRef>
+          <a:fontRef idx="minor">
+            <a:schemeClr val="tx1"/>
+          </a:fontRef>
+        </p:style>
+      </p:cxnSp>
+      <p:sp>
+        <p:nvSpPr>
+          <p:cNvPr id="10" name="TextBox 9"/>
+          <p:cNvSpPr txBox="1"/>
+          <p:nvPr/>
+        </p:nvSpPr>
+        <p:spPr>
+          <a:xfrm>
+            <a:off x="5643570" y="4786322"/>
+            <a:ext cx="2571768" cy="369332"/>
+          </a:xfrm>
+          <a:prstGeom prst="rect">
+            <a:avLst/>
+          </a:prstGeom>
+        </p:spPr>
+        <p:style>
+          <a:lnRef idx="1">
+            <a:schemeClr val="accent5"/>
+          </a:lnRef>
+          <a:fillRef idx="2">
+            <a:schemeClr val="accent5"/>
+          </a:fillRef>
+          <a:effectRef idx="1">
+            <a:schemeClr val="accent5"/>
+          </a:effectRef>
+          <a:fontRef idx="minor">
+            <a:schemeClr val="dk1"/>
+          </a:fontRef>
+        </p:style>
+        <p:txBody>
+          <a:bodyPr wrap="square" rtlCol="0">
+            <a:spAutoFit/>
+          </a:bodyPr>
+          <a:lstStyle/>
+          <a:p>
+            <a:pPr algn="ctr" rtl="0"/>
+            <a:r>
+              <a:rPr lang="en-US" dirty="0" smtClean="0"/>
+              <a:t>TC Msg. Send &amp; Receive</a:t>
+            </a:r>
+            <a:endParaRPr lang="en-US" dirty="0"/>
+          </a:p>
+        </p:txBody>
+      </p:sp>
+      <p:cxnSp>
+        <p:nvCxnSpPr>
+          <p:cNvPr id="12" name="Straight Arrow Connector 11"/>
+          <p:cNvCxnSpPr>
+            <a:stCxn id="10" idx="1"/>
+          </p:cNvCxnSpPr>
+          <p:nvPr/>
+        </p:nvCxnSpPr>
+        <p:spPr>
+          <a:xfrm rot="10800000" flipV="1">
+            <a:off x="3500430" y="4970988"/>
+            <a:ext cx="2143140" cy="672590"/>
+          </a:xfrm>
+          <a:prstGeom prst="straightConnector1">
+            <a:avLst/>
+          </a:prstGeom>
+          <a:ln>
+            <a:tailEnd type="arrow"/>
+          </a:ln>
+        </p:spPr>
+        <p:style>
+          <a:lnRef idx="2">
+            <a:schemeClr val="dk1"/>
+          </a:lnRef>
+          <a:fillRef idx="0">
+            <a:schemeClr val="dk1"/>
+          </a:fillRef>
+          <a:effectRef idx="1">
+            <a:schemeClr val="dk1"/>
+          </a:effectRef>
+          <a:fontRef idx="minor">
+            <a:schemeClr val="tx1"/>
+          </a:fontRef>
+        </p:style>
+      </p:cxnSp>
+      <p:cxnSp>
+        <p:nvCxnSpPr>
+          <p:cNvPr id="13" name="Straight Arrow Connector 12"/>
+          <p:cNvCxnSpPr/>
+          <p:nvPr/>
+        </p:nvCxnSpPr>
+        <p:spPr>
+          <a:xfrm rot="10800000" flipV="1">
+            <a:off x="3714744" y="5000636"/>
+            <a:ext cx="1857388" cy="928694"/>
+          </a:xfrm>
+          <a:prstGeom prst="straightConnector1">
+            <a:avLst/>
+          </a:prstGeom>
+          <a:ln>
+            <a:tailEnd type="arrow"/>
+          </a:ln>
+        </p:spPr>
+        <p:style>
+          <a:lnRef idx="2">
+            <a:schemeClr val="dk1"/>
+          </a:lnRef>
+          <a:fillRef idx="0">
+            <a:schemeClr val="dk1"/>
+          </a:fillRef>
+          <a:effectRef idx="1">
+            <a:schemeClr val="dk1"/>
+          </a:effectRef>
+          <a:fontRef idx="minor">
+            <a:schemeClr val="tx1"/>
+          </a:fontRef>
+        </p:style>
+      </p:cxnSp>
+      <p:sp>
+        <p:nvSpPr>
+          <p:cNvPr id="16" name="TextBox 15"/>
+          <p:cNvSpPr txBox="1"/>
+          <p:nvPr/>
+        </p:nvSpPr>
+        <p:spPr>
+          <a:xfrm>
+            <a:off x="6000760" y="4143380"/>
+            <a:ext cx="2571768" cy="369332"/>
+          </a:xfrm>
+          <a:prstGeom prst="rect">
+            <a:avLst/>
+          </a:prstGeom>
+        </p:spPr>
+        <p:style>
+          <a:lnRef idx="1">
+            <a:schemeClr val="accent5"/>
+          </a:lnRef>
+          <a:fillRef idx="2">
+            <a:schemeClr val="accent5"/>
+          </a:fillRef>
+          <a:effectRef idx="1">
+            <a:schemeClr val="accent5"/>
+          </a:effectRef>
+          <a:fontRef idx="minor">
+            <a:schemeClr val="dk1"/>
+          </a:fontRef>
+        </p:style>
+        <p:txBody>
+          <a:bodyPr wrap="square" rtlCol="0">
+            <a:spAutoFit/>
+          </a:bodyPr>
+          <a:lstStyle/>
+          <a:p>
+            <a:pPr algn="ctr" rtl="0"/>
+            <a:r>
+              <a:rPr lang="en-US" dirty="0" smtClean="0"/>
+              <a:t>Congestion Ctrl.</a:t>
+            </a:r>
+            <a:endParaRPr lang="en-US" dirty="0"/>
+          </a:p>
+        </p:txBody>
+      </p:sp>
+      <p:cxnSp>
+        <p:nvCxnSpPr>
+          <p:cNvPr id="18" name="Straight Arrow Connector 17"/>
+          <p:cNvCxnSpPr>
+            <a:stCxn id="16" idx="1"/>
+          </p:cNvCxnSpPr>
+          <p:nvPr/>
+        </p:nvCxnSpPr>
+        <p:spPr>
+          <a:xfrm rot="10800000" flipV="1">
+            <a:off x="4071934" y="4328046"/>
+            <a:ext cx="1928826" cy="243962"/>
+          </a:xfrm>
+          <a:prstGeom prst="straightConnector1">
+            <a:avLst/>
+          </a:prstGeom>
+          <a:ln>
+            <a:tailEnd type="arrow"/>
+          </a:ln>
+        </p:spPr>
+        <p:style>
+          <a:lnRef idx="2">
+            <a:schemeClr val="dk1"/>
+          </a:lnRef>
+          <a:fillRef idx="0">
+            <a:schemeClr val="dk1"/>
+          </a:fillRef>
+          <a:effectRef idx="1">
+            <a:schemeClr val="dk1"/>
+          </a:effectRef>
+          <a:fontRef idx="minor">
+            <a:schemeClr val="tx1"/>
+          </a:fontRef>
+        </p:style>
+      </p:cxnSp>
+    </p:spTree>
+  </p:cSld>
+  <p:clrMapOvr>
+    <a:masterClrMapping/>
+  </p:clrMapOvr>
+  <p:timing>
+    <p:tnLst>
+      <p:par>
+        <p:cTn id="1" dur="indefinite" restart="never" nodeType="tmRoot"/>
+      </p:par>
+    </p:tnLst>
+  </p:timing>
+</p:sld>
+</file>
+
+<file path=ppt/slides/slide13.xml><?xml version="1.0" encoding="utf-8"?>
+<p:sld xmlns:a="http://schemas.openxmlformats.org/drawingml/2006/main" xmlns:r="http://schemas.openxmlformats.org/officeDocument/2006/relationships" xmlns:p="http://schemas.openxmlformats.org/presentationml/2006/main">
+  <p:cSld>
+    <p:spTree>
+      <p:nvGrpSpPr>
+        <p:cNvPr id="1" name=""/>
+        <p:cNvGrpSpPr/>
+        <p:nvPr/>
+      </p:nvGrpSpPr>
+      <p:grpSpPr>
+        <a:xfrm>
+          <a:off x="0" y="0"/>
+          <a:ext cx="0" cy="0"/>
+          <a:chOff x="0" y="0"/>
+          <a:chExt cx="0" cy="0"/>
+        </a:xfrm>
+      </p:grpSpPr>
+      <p:sp>
+        <p:nvSpPr>
           <p:cNvPr id="3" name="מציין מיקום תוכן 2"/>
           <p:cNvSpPr>
             <a:spLocks noGrp="1"/>
@@ -3256,7 +6815,7 @@
 </p:sld>
 </file>
 
-<file path=ppt/slides/slide11.xml><?xml version="1.0" encoding="utf-8"?>
+<file path=ppt/slides/slide14.xml><?xml version="1.0" encoding="utf-8"?>
 <p:sld xmlns:a="http://schemas.openxmlformats.org/drawingml/2006/main" xmlns:r="http://schemas.openxmlformats.org/officeDocument/2006/relationships" xmlns:p="http://schemas.openxmlformats.org/presentationml/2006/main">
   <p:cSld>
     <p:spTree>
@@ -3453,7 +7012,6 @@
               <a:rPr lang="en-US" dirty="0" smtClean="0"/>
               <a:t>Introduction &amp; Project Description</a:t>
             </a:r>
-            <a:endParaRPr lang="en-US" dirty="0" smtClean="0"/>
           </a:p>
           <a:p>
             <a:pPr algn="l" rtl="0"/>
@@ -3487,22 +7045,18 @@
             </a:r>
             <a:r>
               <a:rPr lang="en-US" dirty="0" smtClean="0"/>
-              <a:t>outing Protocol Ver. </a:t>
-            </a:r>
+              <a:t>outing Protocol Ver. 2</a:t>
+            </a:r>
+          </a:p>
+          <a:p>
+            <a:pPr algn="l" rtl="0"/>
             <a:r>
               <a:rPr lang="en-US" dirty="0" smtClean="0"/>
-              <a:t>2</a:t>
-            </a:r>
-          </a:p>
-          <a:p>
-            <a:pPr algn="l" rtl="0"/>
+              <a:t>Protocol </a:t>
+            </a:r>
             <a:r>
               <a:rPr lang="en-US" dirty="0" smtClean="0"/>
-              <a:t>Protocol Analyses</a:t>
-            </a:r>
-            <a:r>
-              <a:rPr lang="en-US" dirty="0" smtClean="0"/>
-              <a:t>.</a:t>
+              <a:t>Analyses</a:t>
             </a:r>
             <a:endParaRPr lang="en-US" dirty="0" smtClean="0"/>
           </a:p>
@@ -3516,40 +7070,24 @@
               <a:rPr lang="en-US" dirty="0" smtClean="0"/>
               <a:t>Architecture</a:t>
             </a:r>
+          </a:p>
+          <a:p>
+            <a:pPr algn="l" rtl="0"/>
             <a:r>
               <a:rPr lang="en-US" dirty="0" smtClean="0"/>
-              <a:t>.</a:t>
-            </a:r>
+              <a:t>The Simulator</a:t>
+            </a:r>
+            <a:endParaRPr lang="en-US" dirty="0" smtClean="0"/>
           </a:p>
           <a:p>
             <a:pPr algn="l" rtl="0"/>
             <a:r>
               <a:rPr lang="en-US" dirty="0" smtClean="0"/>
-              <a:t>Implementation Overview.</a:t>
-            </a:r>
-            <a:endParaRPr lang="en-US" dirty="0" smtClean="0"/>
-          </a:p>
-          <a:p>
-            <a:pPr algn="l" rtl="0"/>
+              <a:t>Questions </a:t>
+            </a:r>
             <a:r>
               <a:rPr lang="en-US" dirty="0" smtClean="0"/>
-              <a:t>Questions &amp; </a:t>
-            </a:r>
-            <a:r>
-              <a:rPr lang="en-US" dirty="0" smtClean="0"/>
-              <a:t>O</a:t>
-            </a:r>
-            <a:r>
-              <a:rPr lang="en-US" dirty="0" smtClean="0"/>
-              <a:t>pen </a:t>
-            </a:r>
-            <a:r>
-              <a:rPr lang="en-US" dirty="0" smtClean="0"/>
-              <a:t>D</a:t>
-            </a:r>
-            <a:r>
-              <a:rPr lang="en-US" dirty="0" smtClean="0"/>
-              <a:t>iscussion</a:t>
+              <a:t>&amp; Open Discussion</a:t>
             </a:r>
             <a:endParaRPr lang="he-IL" dirty="0"/>
           </a:p>
@@ -3635,11 +7173,7 @@
             <a:pPr algn="l" rtl="0"/>
             <a:r>
               <a:rPr lang="en-US" dirty="0" smtClean="0"/>
-              <a:t>Event Driven </a:t>
-            </a:r>
-            <a:r>
-              <a:rPr lang="en-US" dirty="0" smtClean="0"/>
-              <a:t>Simulator</a:t>
+              <a:t>Event Driven Simulator</a:t>
             </a:r>
           </a:p>
           <a:p>
@@ -3669,7 +7203,6 @@
               <a:rPr lang="en-US" dirty="0" smtClean="0"/>
               <a:t>Mixed</a:t>
             </a:r>
-            <a:endParaRPr lang="en-US" dirty="0" smtClean="0"/>
           </a:p>
           <a:p>
             <a:pPr algn="l" rtl="0"/>
@@ -5879,31 +9412,78 @@
           <a:p>
             <a:r>
               <a:rPr lang="en-US" dirty="0" smtClean="0"/>
-              <a:t>Protocol Analyses</a:t>
+              <a:t>Protocol </a:t>
+            </a:r>
+            <a:r>
+              <a:rPr lang="en-US" dirty="0" smtClean="0"/>
+              <a:t>Analysis</a:t>
             </a:r>
             <a:endParaRPr lang="en-US" dirty="0"/>
           </a:p>
         </p:txBody>
       </p:sp>
-      <p:sp>
-        <p:nvSpPr>
-          <p:cNvPr id="3" name="Content Placeholder 2"/>
-          <p:cNvSpPr>
-            <a:spLocks noGrp="1"/>
-          </p:cNvSpPr>
+      <p:graphicFrame>
+        <p:nvGraphicFramePr>
+          <p:cNvPr id="4" name="תרשים 2"/>
+          <p:cNvGraphicFramePr>
+            <a:graphicFrameLocks noGrp="1"/>
+          </p:cNvGraphicFramePr>
           <p:nvPr>
             <p:ph idx="1"/>
           </p:nvPr>
+        </p:nvGraphicFramePr>
+        <p:xfrm>
+          <a:off x="4500562" y="1214422"/>
+          <a:ext cx="4400552" cy="2400303"/>
+        </p:xfrm>
+        <a:graphic>
+          <a:graphicData uri="http://schemas.openxmlformats.org/drawingml/2006/chart">
+            <c:chart xmlns:c="http://schemas.openxmlformats.org/drawingml/2006/chart" xmlns:r="http://schemas.openxmlformats.org/officeDocument/2006/relationships" r:id="rId2"/>
+          </a:graphicData>
+        </a:graphic>
+      </p:graphicFrame>
+      <p:graphicFrame>
+        <p:nvGraphicFramePr>
+          <p:cNvPr id="5" name="תרשים 7"/>
+          <p:cNvGraphicFramePr/>
+          <p:nvPr/>
+        </p:nvGraphicFramePr>
+        <p:xfrm>
+          <a:off x="500034" y="3500438"/>
+          <a:ext cx="4572000" cy="2743200"/>
+        </p:xfrm>
+        <a:graphic>
+          <a:graphicData uri="http://schemas.openxmlformats.org/drawingml/2006/chart">
+            <c:chart xmlns:c="http://schemas.openxmlformats.org/drawingml/2006/chart" xmlns:r="http://schemas.openxmlformats.org/officeDocument/2006/relationships" r:id="rId3"/>
+          </a:graphicData>
+        </a:graphic>
+      </p:graphicFrame>
+      <p:sp>
+        <p:nvSpPr>
+          <p:cNvPr id="6" name="TextBox 5"/>
+          <p:cNvSpPr txBox="1"/>
+          <p:nvPr/>
         </p:nvSpPr>
-        <p:spPr/>
+        <p:spPr>
+          <a:xfrm>
+            <a:off x="928662" y="1643050"/>
+            <a:ext cx="3143272" cy="923330"/>
+          </a:xfrm>
+          <a:prstGeom prst="rect">
+            <a:avLst/>
+          </a:prstGeom>
+          <a:noFill/>
+        </p:spPr>
         <p:txBody>
-          <a:bodyPr/>
+          <a:bodyPr wrap="square" rtlCol="0">
+            <a:spAutoFit/>
+          </a:bodyPr>
           <a:lstStyle/>
           <a:p>
             <a:pPr algn="l" rtl="0"/>
             <a:r>
               <a:rPr lang="en-US" dirty="0" smtClean="0"/>
-              <a:t>Put here different Graphs measurements ……</a:t>
+              <a:t>Minimal MPR selection is much better then selecting all neighbors as MPRs</a:t>
             </a:r>
             <a:endParaRPr lang="en-US" dirty="0"/>
           </a:p>
@@ -5914,6 +9494,13 @@
   <p:clrMapOvr>
     <a:masterClrMapping/>
   </p:clrMapOvr>
+  <p:timing>
+    <p:tnLst>
+      <p:par>
+        <p:cTn id="1" dur="indefinite" restart="never" nodeType="tmRoot"/>
+      </p:par>
+    </p:tnLst>
+  </p:timing>
 </p:sld>
 </file>
 
@@ -5955,28 +9542,91 @@
             </a:r>
             <a:r>
               <a:rPr lang="en-US" dirty="0" smtClean="0"/>
-              <a:t>Analyses Cont.</a:t>
+              <a:t>Analysis </a:t>
+            </a:r>
+            <a:r>
+              <a:rPr lang="en-US" dirty="0" smtClean="0"/>
+              <a:t>Cont.</a:t>
             </a:r>
             <a:endParaRPr lang="en-US" dirty="0"/>
           </a:p>
         </p:txBody>
       </p:sp>
-      <p:sp>
-        <p:nvSpPr>
-          <p:cNvPr id="3" name="Content Placeholder 2"/>
-          <p:cNvSpPr>
-            <a:spLocks noGrp="1"/>
-          </p:cNvSpPr>
+      <p:graphicFrame>
+        <p:nvGraphicFramePr>
+          <p:cNvPr id="4" name="תרשים 5"/>
+          <p:cNvGraphicFramePr>
+            <a:graphicFrameLocks noGrp="1"/>
+          </p:cNvGraphicFramePr>
           <p:nvPr>
             <p:ph idx="1"/>
           </p:nvPr>
+        </p:nvGraphicFramePr>
+        <p:xfrm>
+          <a:off x="4214810" y="1357298"/>
+          <a:ext cx="4757742" cy="2686056"/>
+        </p:xfrm>
+        <a:graphic>
+          <a:graphicData uri="http://schemas.openxmlformats.org/drawingml/2006/chart">
+            <c:chart xmlns:c="http://schemas.openxmlformats.org/drawingml/2006/chart" xmlns:r="http://schemas.openxmlformats.org/officeDocument/2006/relationships" r:id="rId2"/>
+          </a:graphicData>
+        </a:graphic>
+      </p:graphicFrame>
+      <p:graphicFrame>
+        <p:nvGraphicFramePr>
+          <p:cNvPr id="5" name="תרשים 4"/>
+          <p:cNvGraphicFramePr/>
+          <p:nvPr/>
+        </p:nvGraphicFramePr>
+        <p:xfrm>
+          <a:off x="500034" y="3714752"/>
+          <a:ext cx="4286280" cy="2571768"/>
+        </p:xfrm>
+        <a:graphic>
+          <a:graphicData uri="http://schemas.openxmlformats.org/drawingml/2006/chart">
+            <c:chart xmlns:c="http://schemas.openxmlformats.org/drawingml/2006/chart" xmlns:r="http://schemas.openxmlformats.org/officeDocument/2006/relationships" r:id="rId3"/>
+          </a:graphicData>
+        </a:graphic>
+      </p:graphicFrame>
+      <p:sp>
+        <p:nvSpPr>
+          <p:cNvPr id="6" name="TextBox 5"/>
+          <p:cNvSpPr txBox="1"/>
+          <p:nvPr/>
         </p:nvSpPr>
-        <p:spPr/>
+        <p:spPr>
+          <a:xfrm>
+            <a:off x="214282" y="1357298"/>
+            <a:ext cx="3929090" cy="1477328"/>
+          </a:xfrm>
+          <a:prstGeom prst="rect">
+            <a:avLst/>
+          </a:prstGeom>
+          <a:noFill/>
+        </p:spPr>
         <p:txBody>
-          <a:bodyPr/>
+          <a:bodyPr wrap="square" rtlCol="0">
+            <a:spAutoFit/>
+          </a:bodyPr>
           <a:lstStyle/>
           <a:p>
-            <a:endParaRPr lang="en-US"/>
+            <a:pPr algn="l" rtl="0"/>
+            <a:r>
+              <a:rPr lang="en-US" dirty="0" smtClean="0"/>
+              <a:t>Cluster topology vs. Uniform topology.</a:t>
+            </a:r>
+          </a:p>
+          <a:p>
+            <a:pPr algn="l" rtl="0"/>
+            <a:endParaRPr lang="en-US" dirty="0" smtClean="0"/>
+          </a:p>
+          <a:p>
+            <a:pPr algn="l" rtl="0"/>
+            <a:r>
+              <a:rPr lang="en-US" dirty="0" smtClean="0"/>
+              <a:t>At some point in Cluster topology some stations become a “bottle-neck” and utilization drops.</a:t>
+            </a:r>
+            <a:endParaRPr lang="en-US" dirty="0"/>
           </a:p>
         </p:txBody>
       </p:sp>
@@ -5985,10 +9635,147 @@
   <p:clrMapOvr>
     <a:masterClrMapping/>
   </p:clrMapOvr>
+  <p:timing>
+    <p:tnLst>
+      <p:par>
+        <p:cTn id="1" dur="indefinite" restart="never" nodeType="tmRoot"/>
+      </p:par>
+    </p:tnLst>
+  </p:timing>
 </p:sld>
 </file>
 
 <file path=ppt/slides/slide8.xml><?xml version="1.0" encoding="utf-8"?>
+<p:sld xmlns:a="http://schemas.openxmlformats.org/drawingml/2006/main" xmlns:r="http://schemas.openxmlformats.org/officeDocument/2006/relationships" xmlns:p="http://schemas.openxmlformats.org/presentationml/2006/main">
+  <p:cSld>
+    <p:spTree>
+      <p:nvGrpSpPr>
+        <p:cNvPr id="1" name=""/>
+        <p:cNvGrpSpPr/>
+        <p:nvPr/>
+      </p:nvGrpSpPr>
+      <p:grpSpPr>
+        <a:xfrm>
+          <a:off x="0" y="0"/>
+          <a:ext cx="0" cy="0"/>
+          <a:chOff x="0" y="0"/>
+          <a:chExt cx="0" cy="0"/>
+        </a:xfrm>
+      </p:grpSpPr>
+      <p:sp>
+        <p:nvSpPr>
+          <p:cNvPr id="2" name="Title 1"/>
+          <p:cNvSpPr>
+            <a:spLocks noGrp="1"/>
+          </p:cNvSpPr>
+          <p:nvPr>
+            <p:ph type="title"/>
+          </p:nvPr>
+        </p:nvSpPr>
+        <p:spPr/>
+        <p:txBody>
+          <a:bodyPr/>
+          <a:lstStyle/>
+          <a:p>
+            <a:r>
+              <a:rPr lang="en-US" dirty="0" smtClean="0"/>
+              <a:t>Protocol Analysis Cont.</a:t>
+            </a:r>
+            <a:endParaRPr lang="en-US" dirty="0"/>
+          </a:p>
+        </p:txBody>
+      </p:sp>
+      <p:graphicFrame>
+        <p:nvGraphicFramePr>
+          <p:cNvPr id="4" name="תרשים 9"/>
+          <p:cNvGraphicFramePr>
+            <a:graphicFrameLocks noGrp="1"/>
+          </p:cNvGraphicFramePr>
+          <p:nvPr>
+            <p:ph idx="1"/>
+          </p:nvPr>
+        </p:nvGraphicFramePr>
+        <p:xfrm>
+          <a:off x="4000496" y="1285860"/>
+          <a:ext cx="4900618" cy="2757493"/>
+        </p:xfrm>
+        <a:graphic>
+          <a:graphicData uri="http://schemas.openxmlformats.org/drawingml/2006/chart">
+            <c:chart xmlns:c="http://schemas.openxmlformats.org/drawingml/2006/chart" xmlns:r="http://schemas.openxmlformats.org/officeDocument/2006/relationships" r:id="rId2"/>
+          </a:graphicData>
+        </a:graphic>
+      </p:graphicFrame>
+      <p:graphicFrame>
+        <p:nvGraphicFramePr>
+          <p:cNvPr id="5" name="תרשים 6"/>
+          <p:cNvGraphicFramePr/>
+          <p:nvPr/>
+        </p:nvGraphicFramePr>
+        <p:xfrm>
+          <a:off x="285720" y="3714752"/>
+          <a:ext cx="4572000" cy="2743200"/>
+        </p:xfrm>
+        <a:graphic>
+          <a:graphicData uri="http://schemas.openxmlformats.org/drawingml/2006/chart">
+            <c:chart xmlns:c="http://schemas.openxmlformats.org/drawingml/2006/chart" xmlns:r="http://schemas.openxmlformats.org/officeDocument/2006/relationships" r:id="rId3"/>
+          </a:graphicData>
+        </a:graphic>
+      </p:graphicFrame>
+      <p:sp>
+        <p:nvSpPr>
+          <p:cNvPr id="6" name="TextBox 5"/>
+          <p:cNvSpPr txBox="1"/>
+          <p:nvPr/>
+        </p:nvSpPr>
+        <p:spPr>
+          <a:xfrm>
+            <a:off x="0" y="1571612"/>
+            <a:ext cx="3929090" cy="1200329"/>
+          </a:xfrm>
+          <a:prstGeom prst="rect">
+            <a:avLst/>
+          </a:prstGeom>
+          <a:noFill/>
+        </p:spPr>
+        <p:txBody>
+          <a:bodyPr wrap="square" rtlCol="0">
+            <a:spAutoFit/>
+          </a:bodyPr>
+          <a:lstStyle/>
+          <a:p>
+            <a:pPr algn="l" rtl="0"/>
+            <a:r>
+              <a:rPr lang="en-US" dirty="0" smtClean="0"/>
+              <a:t>Selecting </a:t>
+            </a:r>
+            <a:r>
+              <a:rPr lang="en-US" dirty="0" smtClean="0"/>
+              <a:t>the mode in which data could be passed only through MPRs, actually helped keeping the utilization high even in higher data packets </a:t>
+            </a:r>
+            <a:r>
+              <a:rPr lang="en-US" dirty="0" smtClean="0"/>
+              <a:t>rates. </a:t>
+            </a:r>
+            <a:endParaRPr lang="en-US" dirty="0"/>
+          </a:p>
+        </p:txBody>
+      </p:sp>
+    </p:spTree>
+  </p:cSld>
+  <p:clrMapOvr>
+    <a:masterClrMapping/>
+  </p:clrMapOvr>
+  <p:timing>
+    <p:tnLst>
+      <p:par>
+        <p:cTn id="1" dur="indefinite" restart="never" nodeType="tmRoot"/>
+      </p:par>
+    </p:tnLst>
+  </p:timing>
+</p:sld>
+</file>
+
+<file path=ppt/slides/slide9.xml><?xml version="1.0" encoding="utf-8"?>
 <p:sld xmlns:a="http://schemas.openxmlformats.org/drawingml/2006/main" xmlns:r="http://schemas.openxmlformats.org/officeDocument/2006/relationships" xmlns:p="http://schemas.openxmlformats.org/presentationml/2006/main">
   <p:cSld>
     <p:spTree>
@@ -8101,84 +11888,6 @@
 </p:sld>
 </file>
 
-<file path=ppt/slides/slide9.xml><?xml version="1.0" encoding="utf-8"?>
-<p:sld xmlns:a="http://schemas.openxmlformats.org/drawingml/2006/main" xmlns:r="http://schemas.openxmlformats.org/officeDocument/2006/relationships" xmlns:p="http://schemas.openxmlformats.org/presentationml/2006/main">
-  <p:cSld>
-    <p:spTree>
-      <p:nvGrpSpPr>
-        <p:cNvPr id="1" name=""/>
-        <p:cNvGrpSpPr/>
-        <p:nvPr/>
-      </p:nvGrpSpPr>
-      <p:grpSpPr>
-        <a:xfrm>
-          <a:off x="0" y="0"/>
-          <a:ext cx="0" cy="0"/>
-          <a:chOff x="0" y="0"/>
-          <a:chExt cx="0" cy="0"/>
-        </a:xfrm>
-      </p:grpSpPr>
-      <p:sp>
-        <p:nvSpPr>
-          <p:cNvPr id="2" name="Title 1"/>
-          <p:cNvSpPr>
-            <a:spLocks noGrp="1"/>
-          </p:cNvSpPr>
-          <p:nvPr>
-            <p:ph type="title"/>
-          </p:nvPr>
-        </p:nvSpPr>
-        <p:spPr/>
-        <p:txBody>
-          <a:bodyPr>
-            <a:normAutofit/>
-          </a:bodyPr>
-          <a:lstStyle/>
-          <a:p>
-            <a:r>
-              <a:rPr lang="en-US" dirty="0" smtClean="0"/>
-              <a:t>Implementation </a:t>
-            </a:r>
-            <a:r>
-              <a:rPr lang="en-US" dirty="0" smtClean="0"/>
-              <a:t>Overview</a:t>
-            </a:r>
-            <a:endParaRPr lang="en-US" dirty="0"/>
-          </a:p>
-        </p:txBody>
-      </p:sp>
-      <p:sp>
-        <p:nvSpPr>
-          <p:cNvPr id="3" name="Content Placeholder 2"/>
-          <p:cNvSpPr>
-            <a:spLocks noGrp="1"/>
-          </p:cNvSpPr>
-          <p:nvPr>
-            <p:ph idx="1"/>
-          </p:nvPr>
-        </p:nvSpPr>
-        <p:spPr/>
-        <p:txBody>
-          <a:bodyPr/>
-          <a:lstStyle/>
-          <a:p>
-            <a:pPr algn="l" rtl="0"/>
-            <a:r>
-              <a:rPr lang="en-US" dirty="0" smtClean="0"/>
-              <a:t>Aspects of the simulator implementation.</a:t>
-            </a:r>
-            <a:endParaRPr lang="en-US" dirty="0"/>
-          </a:p>
-        </p:txBody>
-      </p:sp>
-    </p:spTree>
-  </p:cSld>
-  <p:clrMapOvr>
-    <a:masterClrMapping/>
-  </p:clrMapOvr>
-</p:sld>
-</file>
-
 <file path=ppt/theme/theme1.xml><?xml version="1.0" encoding="utf-8"?>
 <a:theme xmlns:a="http://schemas.openxmlformats.org/drawingml/2006/main" name="ערכת נושא Office">
   <a:themeElements>
